--- a/Work-case№1.pptx
+++ b/Work-case№1.pptx
@@ -9,6 +9,7 @@
     <p:sldId id="257" r:id="rId3"/>
     <p:sldId id="258" r:id="rId4"/>
     <p:sldId id="259" r:id="rId5"/>
+    <p:sldId id="260" r:id="rId6"/>
   </p:sldIdLst>
   <p:sldSz cx="12192000" cy="6858000"/>
   <p:notesSz cx="6858000" cy="9144000"/>
@@ -116,6 +117,58 @@
     </p:ext>
   </p:extLst>
 </p:presentation>
+</file>
+
+<file path=ppt/changesInfos/changesInfo1.xml><?xml version="1.0" encoding="utf-8"?>
+<pc:chgInfo xmlns:a="http://schemas.openxmlformats.org/drawingml/2006/main" xmlns:r="http://schemas.openxmlformats.org/officeDocument/2006/relationships" xmlns:ac="http://schemas.microsoft.com/office/drawing/2013/main/command" xmlns:pc="http://schemas.microsoft.com/office/powerpoint/2013/main/command">
+  <pc:docChgLst>
+    <pc:chgData name="Maxus Maxus" userId="0cb690093d25cd2e" providerId="LiveId" clId="{FC151A84-0CBC-4C6C-8A4A-58BDC3CA765A}"/>
+    <pc:docChg chg="addSld modSld">
+      <pc:chgData name="Maxus Maxus" userId="0cb690093d25cd2e" providerId="LiveId" clId="{FC151A84-0CBC-4C6C-8A4A-58BDC3CA765A}" dt="2024-02-02T21:42:33.297" v="15" actId="680"/>
+      <pc:docMkLst>
+        <pc:docMk/>
+      </pc:docMkLst>
+      <pc:sldChg chg="addSp modSp">
+        <pc:chgData name="Maxus Maxus" userId="0cb690093d25cd2e" providerId="LiveId" clId="{FC151A84-0CBC-4C6C-8A4A-58BDC3CA765A}" dt="2024-02-02T21:42:16.932" v="14" actId="14100"/>
+        <pc:sldMkLst>
+          <pc:docMk/>
+          <pc:sldMk cId="3645757187" sldId="259"/>
+        </pc:sldMkLst>
+        <pc:picChg chg="add mod">
+          <ac:chgData name="Maxus Maxus" userId="0cb690093d25cd2e" providerId="LiveId" clId="{FC151A84-0CBC-4C6C-8A4A-58BDC3CA765A}" dt="2024-02-02T21:28:31.908" v="2" actId="1076"/>
+          <ac:picMkLst>
+            <pc:docMk/>
+            <pc:sldMk cId="3645757187" sldId="259"/>
+            <ac:picMk id="1026" creationId="{786CBD83-1D74-5D5C-7391-FD82E9C40920}"/>
+          </ac:picMkLst>
+        </pc:picChg>
+        <pc:picChg chg="add mod">
+          <ac:chgData name="Maxus Maxus" userId="0cb690093d25cd2e" providerId="LiveId" clId="{FC151A84-0CBC-4C6C-8A4A-58BDC3CA765A}" dt="2024-02-02T21:33:11.348" v="9" actId="14100"/>
+          <ac:picMkLst>
+            <pc:docMk/>
+            <pc:sldMk cId="3645757187" sldId="259"/>
+            <ac:picMk id="1028" creationId="{609FEF47-AEA1-95C7-888C-B7A7ABD28DF8}"/>
+          </ac:picMkLst>
+        </pc:picChg>
+        <pc:picChg chg="add mod">
+          <ac:chgData name="Maxus Maxus" userId="0cb690093d25cd2e" providerId="LiveId" clId="{FC151A84-0CBC-4C6C-8A4A-58BDC3CA765A}" dt="2024-02-02T21:42:16.932" v="14" actId="14100"/>
+          <ac:picMkLst>
+            <pc:docMk/>
+            <pc:sldMk cId="3645757187" sldId="259"/>
+            <ac:picMk id="1030" creationId="{8F496E71-C9BC-F98A-3410-D13633500B91}"/>
+          </ac:picMkLst>
+        </pc:picChg>
+      </pc:sldChg>
+      <pc:sldChg chg="new">
+        <pc:chgData name="Maxus Maxus" userId="0cb690093d25cd2e" providerId="LiveId" clId="{FC151A84-0CBC-4C6C-8A4A-58BDC3CA765A}" dt="2024-02-02T21:42:33.297" v="15" actId="680"/>
+        <pc:sldMkLst>
+          <pc:docMk/>
+          <pc:sldMk cId="1102124383" sldId="260"/>
+        </pc:sldMkLst>
+      </pc:sldChg>
+    </pc:docChg>
+  </pc:docChgLst>
+</pc:chgInfo>
 </file>
 
 <file path=ppt/ink/ink1.xml><?xml version="1.0" encoding="utf-8"?>
@@ -11204,8 +11257,8 @@
           </a:graphicData>
         </a:graphic>
       </p:graphicFrame>
-      <mc:AlternateContent xmlns:mc="http://schemas.openxmlformats.org/markup-compatibility/2006">
-        <mc:Choice xmlns:p14="http://schemas.microsoft.com/office/powerpoint/2010/main" Requires="p14">
+      <mc:AlternateContent xmlns:mc="http://schemas.openxmlformats.org/markup-compatibility/2006" xmlns:p14="http://schemas.microsoft.com/office/powerpoint/2010/main">
+        <mc:Choice Requires="p14">
           <p:contentPart p14:bwMode="auto" r:id="rId2">
             <p14:nvContentPartPr>
               <p14:cNvPr id="6" name="Рукописні дані 5">
@@ -11224,7 +11277,7 @@
             </p14:xfrm>
           </p:contentPart>
         </mc:Choice>
-        <mc:Fallback>
+        <mc:Fallback xmlns="">
           <p:pic>
             <p:nvPicPr>
               <p:cNvPr id="6" name="Рукописні дані 5">
@@ -11328,8 +11381,8 @@
           </a:p>
         </p:txBody>
       </p:sp>
-      <mc:AlternateContent xmlns:mc="http://schemas.openxmlformats.org/markup-compatibility/2006">
-        <mc:Choice xmlns:p14="http://schemas.microsoft.com/office/powerpoint/2010/main" Requires="p14">
+      <mc:AlternateContent xmlns:mc="http://schemas.openxmlformats.org/markup-compatibility/2006" xmlns:p14="http://schemas.microsoft.com/office/powerpoint/2010/main">
+        <mc:Choice Requires="p14">
           <p:contentPart p14:bwMode="auto" r:id="rId2">
             <p14:nvContentPartPr>
               <p14:cNvPr id="4" name="Рукописні дані 3">
@@ -11348,7 +11401,7 @@
             </p14:xfrm>
           </p:contentPart>
         </mc:Choice>
-        <mc:Fallback>
+        <mc:Fallback xmlns="">
           <p:pic>
             <p:nvPicPr>
               <p:cNvPr id="4" name="Рукописні дані 3">
@@ -11379,10 +11432,231 @@
           </p:pic>
         </mc:Fallback>
       </mc:AlternateContent>
+      <p:pic>
+        <p:nvPicPr>
+          <p:cNvPr id="1026" name="Picture 2" descr="Git: Empowering Collaboration and Version Control in Software Development">
+            <a:extLst>
+              <a:ext uri="{FF2B5EF4-FFF2-40B4-BE49-F238E27FC236}">
+                <a16:creationId xmlns:a16="http://schemas.microsoft.com/office/drawing/2014/main" id="{786CBD83-1D74-5D5C-7391-FD82E9C40920}"/>
+              </a:ext>
+            </a:extLst>
+          </p:cNvPr>
+          <p:cNvPicPr>
+            <a:picLocks noChangeAspect="1" noChangeArrowheads="1"/>
+          </p:cNvPicPr>
+          <p:nvPr/>
+        </p:nvPicPr>
+        <p:blipFill>
+          <a:blip r:embed="rId4">
+            <a:extLst>
+              <a:ext uri="{28A0092B-C50C-407E-A947-70E740481C1C}">
+                <a14:useLocalDpi xmlns:a14="http://schemas.microsoft.com/office/drawing/2010/main" val="0"/>
+              </a:ext>
+            </a:extLst>
+          </a:blip>
+          <a:srcRect/>
+          <a:stretch>
+            <a:fillRect/>
+          </a:stretch>
+        </p:blipFill>
+        <p:spPr bwMode="auto">
+          <a:xfrm>
+            <a:off x="8084323" y="1870920"/>
+            <a:ext cx="3901307" cy="2256464"/>
+          </a:xfrm>
+          <a:prstGeom prst="rect">
+            <a:avLst/>
+          </a:prstGeom>
+          <a:noFill/>
+          <a:extLst>
+            <a:ext uri="{909E8E84-426E-40DD-AFC4-6F175D3DCCD1}">
+              <a14:hiddenFill xmlns:a14="http://schemas.microsoft.com/office/drawing/2010/main">
+                <a:solidFill>
+                  <a:srgbClr val="FFFFFF"/>
+                </a:solidFill>
+              </a14:hiddenFill>
+            </a:ext>
+          </a:extLst>
+        </p:spPr>
+      </p:pic>
+      <p:pic>
+        <p:nvPicPr>
+          <p:cNvPr id="1028" name="Picture 4" descr="A Git Branching Strategy for Efficient Software Development – Split">
+            <a:extLst>
+              <a:ext uri="{FF2B5EF4-FFF2-40B4-BE49-F238E27FC236}">
+                <a16:creationId xmlns:a16="http://schemas.microsoft.com/office/drawing/2014/main" id="{609FEF47-AEA1-95C7-888C-B7A7ABD28DF8}"/>
+              </a:ext>
+            </a:extLst>
+          </p:cNvPr>
+          <p:cNvPicPr>
+            <a:picLocks noChangeAspect="1" noChangeArrowheads="1"/>
+          </p:cNvPicPr>
+          <p:nvPr/>
+        </p:nvPicPr>
+        <p:blipFill>
+          <a:blip r:embed="rId5">
+            <a:extLst>
+              <a:ext uri="{28A0092B-C50C-407E-A947-70E740481C1C}">
+                <a14:useLocalDpi xmlns:a14="http://schemas.microsoft.com/office/drawing/2010/main" val="0"/>
+              </a:ext>
+            </a:extLst>
+          </a:blip>
+          <a:srcRect/>
+          <a:stretch>
+            <a:fillRect/>
+          </a:stretch>
+        </p:blipFill>
+        <p:spPr bwMode="auto">
+          <a:xfrm>
+            <a:off x="0" y="2506663"/>
+            <a:ext cx="8061820" cy="4351338"/>
+          </a:xfrm>
+          <a:prstGeom prst="rect">
+            <a:avLst/>
+          </a:prstGeom>
+          <a:noFill/>
+          <a:extLst>
+            <a:ext uri="{909E8E84-426E-40DD-AFC4-6F175D3DCCD1}">
+              <a14:hiddenFill xmlns:a14="http://schemas.microsoft.com/office/drawing/2010/main">
+                <a:solidFill>
+                  <a:srgbClr val="FFFFFF"/>
+                </a:solidFill>
+              </a14:hiddenFill>
+            </a:ext>
+          </a:extLst>
+        </p:spPr>
+      </p:pic>
+      <p:pic>
+        <p:nvPicPr>
+          <p:cNvPr id="1030" name="Picture 6" descr="5 Types of Git Workflows Every Engineering Team Must Know - Hatica">
+            <a:extLst>
+              <a:ext uri="{FF2B5EF4-FFF2-40B4-BE49-F238E27FC236}">
+                <a16:creationId xmlns:a16="http://schemas.microsoft.com/office/drawing/2014/main" id="{8F496E71-C9BC-F98A-3410-D13633500B91}"/>
+              </a:ext>
+            </a:extLst>
+          </p:cNvPr>
+          <p:cNvPicPr>
+            <a:picLocks noChangeAspect="1" noChangeArrowheads="1"/>
+          </p:cNvPicPr>
+          <p:nvPr/>
+        </p:nvPicPr>
+        <p:blipFill>
+          <a:blip r:embed="rId6">
+            <a:extLst>
+              <a:ext uri="{28A0092B-C50C-407E-A947-70E740481C1C}">
+                <a14:useLocalDpi xmlns:a14="http://schemas.microsoft.com/office/drawing/2010/main" val="0"/>
+              </a:ext>
+            </a:extLst>
+          </a:blip>
+          <a:srcRect/>
+          <a:stretch>
+            <a:fillRect/>
+          </a:stretch>
+        </p:blipFill>
+        <p:spPr bwMode="auto">
+          <a:xfrm>
+            <a:off x="8080877" y="4228050"/>
+            <a:ext cx="4111122" cy="2629949"/>
+          </a:xfrm>
+          <a:prstGeom prst="rect">
+            <a:avLst/>
+          </a:prstGeom>
+          <a:noFill/>
+          <a:extLst>
+            <a:ext uri="{909E8E84-426E-40DD-AFC4-6F175D3DCCD1}">
+              <a14:hiddenFill xmlns:a14="http://schemas.microsoft.com/office/drawing/2010/main">
+                <a:solidFill>
+                  <a:srgbClr val="FFFFFF"/>
+                </a:solidFill>
+              </a14:hiddenFill>
+            </a:ext>
+          </a:extLst>
+        </p:spPr>
+      </p:pic>
     </p:spTree>
     <p:extLst>
       <p:ext uri="{BB962C8B-B14F-4D97-AF65-F5344CB8AC3E}">
         <p14:creationId xmlns:p14="http://schemas.microsoft.com/office/powerpoint/2010/main" val="3645757187"/>
+      </p:ext>
+    </p:extLst>
+  </p:cSld>
+  <p:clrMapOvr>
+    <a:masterClrMapping/>
+  </p:clrMapOvr>
+</p:sld>
+</file>
+
+<file path=ppt/slides/slide5.xml><?xml version="1.0" encoding="utf-8"?>
+<p:sld xmlns:a="http://schemas.openxmlformats.org/drawingml/2006/main" xmlns:r="http://schemas.openxmlformats.org/officeDocument/2006/relationships" xmlns:p="http://schemas.openxmlformats.org/presentationml/2006/main">
+  <p:cSld>
+    <p:spTree>
+      <p:nvGrpSpPr>
+        <p:cNvPr id="1" name=""/>
+        <p:cNvGrpSpPr/>
+        <p:nvPr/>
+      </p:nvGrpSpPr>
+      <p:grpSpPr>
+        <a:xfrm>
+          <a:off x="0" y="0"/>
+          <a:ext cx="0" cy="0"/>
+          <a:chOff x="0" y="0"/>
+          <a:chExt cx="0" cy="0"/>
+        </a:xfrm>
+      </p:grpSpPr>
+      <p:sp>
+        <p:nvSpPr>
+          <p:cNvPr id="2" name="Заголовок 1">
+            <a:extLst>
+              <a:ext uri="{FF2B5EF4-FFF2-40B4-BE49-F238E27FC236}">
+                <a16:creationId xmlns:a16="http://schemas.microsoft.com/office/drawing/2014/main" id="{6EB38DEE-15FE-0900-F4F5-32C193370BF3}"/>
+              </a:ext>
+            </a:extLst>
+          </p:cNvPr>
+          <p:cNvSpPr>
+            <a:spLocks noGrp="1"/>
+          </p:cNvSpPr>
+          <p:nvPr>
+            <p:ph type="title"/>
+          </p:nvPr>
+        </p:nvSpPr>
+        <p:spPr/>
+        <p:txBody>
+          <a:bodyPr/>
+          <a:lstStyle/>
+          <a:p>
+            <a:endParaRPr lang="uk-UA"/>
+          </a:p>
+        </p:txBody>
+      </p:sp>
+      <p:sp>
+        <p:nvSpPr>
+          <p:cNvPr id="3" name="Місце для вмісту 2">
+            <a:extLst>
+              <a:ext uri="{FF2B5EF4-FFF2-40B4-BE49-F238E27FC236}">
+                <a16:creationId xmlns:a16="http://schemas.microsoft.com/office/drawing/2014/main" id="{BAF66720-A943-4AE7-D021-16634B27DD3A}"/>
+              </a:ext>
+            </a:extLst>
+          </p:cNvPr>
+          <p:cNvSpPr>
+            <a:spLocks noGrp="1"/>
+          </p:cNvSpPr>
+          <p:nvPr>
+            <p:ph idx="1"/>
+          </p:nvPr>
+        </p:nvSpPr>
+        <p:spPr/>
+        <p:txBody>
+          <a:bodyPr/>
+          <a:lstStyle/>
+          <a:p>
+            <a:endParaRPr lang="uk-UA"/>
+          </a:p>
+        </p:txBody>
+      </p:sp>
+    </p:spTree>
+    <p:extLst>
+      <p:ext uri="{BB962C8B-B14F-4D97-AF65-F5344CB8AC3E}">
+        <p14:creationId xmlns:p14="http://schemas.microsoft.com/office/powerpoint/2010/main" val="1102124383"/>
       </p:ext>
     </p:extLst>
   </p:cSld>

--- a/Work-case№1.pptx
+++ b/Work-case№1.pptx
@@ -10,6 +10,7 @@
     <p:sldId id="258" r:id="rId4"/>
     <p:sldId id="259" r:id="rId5"/>
     <p:sldId id="260" r:id="rId6"/>
+    <p:sldId id="261" r:id="rId7"/>
   </p:sldIdLst>
   <p:sldSz cx="12192000" cy="6858000"/>
   <p:notesSz cx="6858000" cy="9144000"/>
@@ -8910,6 +8911,18 @@
               <a:rPr lang="en-US" dirty="0"/>
               <a:t> Maksym</a:t>
             </a:r>
+            <a:r>
+              <a:rPr lang="uk-UA" dirty="0"/>
+              <a:t> </a:t>
+            </a:r>
+            <a:r>
+              <a:rPr lang="en-US" dirty="0"/>
+              <a:t>and Yemets </a:t>
+            </a:r>
+            <a:r>
+              <a:rPr lang="en-US" dirty="0" err="1"/>
+              <a:t>Valeriia</a:t>
+            </a:r>
             <a:endParaRPr lang="uk-UA" dirty="0"/>
           </a:p>
         </p:txBody>
@@ -11624,7 +11637,63 @@
           <a:bodyPr/>
           <a:lstStyle/>
           <a:p>
-            <a:endParaRPr lang="uk-UA"/>
+            <a:r>
+              <a:rPr lang="ru-RU" b="1" dirty="0" err="1"/>
+              <a:t>Що</a:t>
+            </a:r>
+            <a:r>
+              <a:rPr lang="ru-RU" b="1" dirty="0"/>
+              <a:t> </a:t>
+            </a:r>
+            <a:r>
+              <a:rPr lang="ru-RU" b="1" dirty="0" err="1"/>
+              <a:t>таке</a:t>
+            </a:r>
+            <a:r>
+              <a:rPr lang="ru-RU" b="1" dirty="0"/>
+              <a:t> "</a:t>
+            </a:r>
+            <a:r>
+              <a:rPr lang="ru-RU" b="1" dirty="0" err="1"/>
+              <a:t>комміт</a:t>
+            </a:r>
+            <a:r>
+              <a:rPr lang="ru-RU" b="1" dirty="0"/>
+              <a:t>", як </a:t>
+            </a:r>
+            <a:r>
+              <a:rPr lang="ru-RU" b="1" dirty="0" err="1"/>
+              <a:t>він</a:t>
+            </a:r>
+            <a:r>
+              <a:rPr lang="ru-RU" b="1" dirty="0"/>
+              <a:t> </a:t>
+            </a:r>
+            <a:r>
+              <a:rPr lang="ru-RU" b="1" dirty="0" err="1"/>
+              <a:t>дозволяє</a:t>
+            </a:r>
+            <a:r>
+              <a:rPr lang="ru-RU" b="1" dirty="0"/>
+              <a:t> </a:t>
+            </a:r>
+            <a:r>
+              <a:rPr lang="ru-RU" b="1" dirty="0" err="1"/>
+              <a:t>відслідковувати</a:t>
+            </a:r>
+            <a:r>
+              <a:rPr lang="ru-RU" b="1" dirty="0"/>
+              <a:t> </a:t>
+            </a:r>
+            <a:r>
+              <a:rPr lang="ru-RU" b="1" dirty="0" err="1"/>
+              <a:t>зміни</a:t>
+            </a:r>
+            <a:r>
+              <a:rPr lang="ru-RU" b="1" dirty="0"/>
+              <a:t> у файлах?</a:t>
+            </a:r>
+            <a:endParaRPr lang="uk-UA" b="1" dirty="0"/>
           </a:p>
         </p:txBody>
       </p:sp>
@@ -11649,6 +11718,90 @@
           <a:bodyPr/>
           <a:lstStyle/>
           <a:p>
+            <a:r>
+              <a:rPr lang="en-US" dirty="0"/>
+              <a:t>Git’s main power comes from the ability to keep a record of every single change made to the files in your project by taking snapshots called commits. When you commit, Git only stores a summary of the changes, rather than storing entire copies of every changed file. This keeps things fast and stops a repository from getting unreasonably large.</a:t>
+            </a:r>
+            <a:endParaRPr lang="uk-UA" dirty="0"/>
+          </a:p>
+        </p:txBody>
+      </p:sp>
+    </p:spTree>
+    <p:extLst>
+      <p:ext uri="{BB962C8B-B14F-4D97-AF65-F5344CB8AC3E}">
+        <p14:creationId xmlns:p14="http://schemas.microsoft.com/office/powerpoint/2010/main" val="1102124383"/>
+      </p:ext>
+    </p:extLst>
+  </p:cSld>
+  <p:clrMapOvr>
+    <a:masterClrMapping/>
+  </p:clrMapOvr>
+</p:sld>
+</file>
+
+<file path=ppt/slides/slide6.xml><?xml version="1.0" encoding="utf-8"?>
+<p:sld xmlns:a="http://schemas.openxmlformats.org/drawingml/2006/main" xmlns:r="http://schemas.openxmlformats.org/officeDocument/2006/relationships" xmlns:p="http://schemas.openxmlformats.org/presentationml/2006/main">
+  <p:cSld>
+    <p:spTree>
+      <p:nvGrpSpPr>
+        <p:cNvPr id="1" name=""/>
+        <p:cNvGrpSpPr/>
+        <p:nvPr/>
+      </p:nvGrpSpPr>
+      <p:grpSpPr>
+        <a:xfrm>
+          <a:off x="0" y="0"/>
+          <a:ext cx="0" cy="0"/>
+          <a:chOff x="0" y="0"/>
+          <a:chExt cx="0" cy="0"/>
+        </a:xfrm>
+      </p:grpSpPr>
+      <p:sp>
+        <p:nvSpPr>
+          <p:cNvPr id="2" name="Заголовок 1">
+            <a:extLst>
+              <a:ext uri="{FF2B5EF4-FFF2-40B4-BE49-F238E27FC236}">
+                <a16:creationId xmlns:a16="http://schemas.microsoft.com/office/drawing/2014/main" id="{3C5291A8-1A48-E692-D4DC-3DDA19A7181C}"/>
+              </a:ext>
+            </a:extLst>
+          </p:cNvPr>
+          <p:cNvSpPr>
+            <a:spLocks noGrp="1"/>
+          </p:cNvSpPr>
+          <p:nvPr>
+            <p:ph type="title"/>
+          </p:nvPr>
+        </p:nvSpPr>
+        <p:spPr/>
+        <p:txBody>
+          <a:bodyPr/>
+          <a:lstStyle/>
+          <a:p>
+            <a:endParaRPr lang="uk-UA"/>
+          </a:p>
+        </p:txBody>
+      </p:sp>
+      <p:sp>
+        <p:nvSpPr>
+          <p:cNvPr id="3" name="Місце для вмісту 2">
+            <a:extLst>
+              <a:ext uri="{FF2B5EF4-FFF2-40B4-BE49-F238E27FC236}">
+                <a16:creationId xmlns:a16="http://schemas.microsoft.com/office/drawing/2014/main" id="{6B1290D2-BB47-3719-749C-DAB53FB5C226}"/>
+              </a:ext>
+            </a:extLst>
+          </p:cNvPr>
+          <p:cNvSpPr>
+            <a:spLocks noGrp="1"/>
+          </p:cNvSpPr>
+          <p:nvPr>
+            <p:ph idx="1"/>
+          </p:nvPr>
+        </p:nvSpPr>
+        <p:spPr/>
+        <p:txBody>
+          <a:bodyPr/>
+          <a:lstStyle/>
+          <a:p>
             <a:endParaRPr lang="uk-UA"/>
           </a:p>
         </p:txBody>
@@ -11656,7 +11809,7 @@
     </p:spTree>
     <p:extLst>
       <p:ext uri="{BB962C8B-B14F-4D97-AF65-F5344CB8AC3E}">
-        <p14:creationId xmlns:p14="http://schemas.microsoft.com/office/powerpoint/2010/main" val="1102124383"/>
+        <p14:creationId xmlns:p14="http://schemas.microsoft.com/office/powerpoint/2010/main" val="3498960716"/>
       </p:ext>
     </p:extLst>
   </p:cSld>

--- a/Work-case№1.pptx
+++ b/Work-case№1.pptx
@@ -10,7 +10,6 @@
     <p:sldId id="258" r:id="rId4"/>
     <p:sldId id="259" r:id="rId5"/>
     <p:sldId id="260" r:id="rId6"/>
-    <p:sldId id="261" r:id="rId7"/>
   </p:sldIdLst>
   <p:sldSz cx="12192000" cy="6858000"/>
   <p:notesSz cx="6858000" cy="9144000"/>
@@ -8911,18 +8910,6 @@
               <a:rPr lang="en-US" dirty="0"/>
               <a:t> Maksym</a:t>
             </a:r>
-            <a:r>
-              <a:rPr lang="uk-UA" dirty="0"/>
-              <a:t> </a:t>
-            </a:r>
-            <a:r>
-              <a:rPr lang="en-US" dirty="0"/>
-              <a:t>and Yemets </a:t>
-            </a:r>
-            <a:r>
-              <a:rPr lang="en-US" dirty="0" err="1"/>
-              <a:t>Valeriia</a:t>
-            </a:r>
             <a:endParaRPr lang="uk-UA" dirty="0"/>
           </a:p>
         </p:txBody>
@@ -11637,63 +11624,7 @@
           <a:bodyPr/>
           <a:lstStyle/>
           <a:p>
-            <a:r>
-              <a:rPr lang="ru-RU" b="1" dirty="0" err="1"/>
-              <a:t>Що</a:t>
-            </a:r>
-            <a:r>
-              <a:rPr lang="ru-RU" b="1" dirty="0"/>
-              <a:t> </a:t>
-            </a:r>
-            <a:r>
-              <a:rPr lang="ru-RU" b="1" dirty="0" err="1"/>
-              <a:t>таке</a:t>
-            </a:r>
-            <a:r>
-              <a:rPr lang="ru-RU" b="1" dirty="0"/>
-              <a:t> "</a:t>
-            </a:r>
-            <a:r>
-              <a:rPr lang="ru-RU" b="1" dirty="0" err="1"/>
-              <a:t>комміт</a:t>
-            </a:r>
-            <a:r>
-              <a:rPr lang="ru-RU" b="1" dirty="0"/>
-              <a:t>", як </a:t>
-            </a:r>
-            <a:r>
-              <a:rPr lang="ru-RU" b="1" dirty="0" err="1"/>
-              <a:t>він</a:t>
-            </a:r>
-            <a:r>
-              <a:rPr lang="ru-RU" b="1" dirty="0"/>
-              <a:t> </a:t>
-            </a:r>
-            <a:r>
-              <a:rPr lang="ru-RU" b="1" dirty="0" err="1"/>
-              <a:t>дозволяє</a:t>
-            </a:r>
-            <a:r>
-              <a:rPr lang="ru-RU" b="1" dirty="0"/>
-              <a:t> </a:t>
-            </a:r>
-            <a:r>
-              <a:rPr lang="ru-RU" b="1" dirty="0" err="1"/>
-              <a:t>відслідковувати</a:t>
-            </a:r>
-            <a:r>
-              <a:rPr lang="ru-RU" b="1" dirty="0"/>
-              <a:t> </a:t>
-            </a:r>
-            <a:r>
-              <a:rPr lang="ru-RU" b="1" dirty="0" err="1"/>
-              <a:t>зміни</a:t>
-            </a:r>
-            <a:r>
-              <a:rPr lang="ru-RU" b="1" dirty="0"/>
-              <a:t> у файлах?</a:t>
-            </a:r>
-            <a:endParaRPr lang="uk-UA" b="1" dirty="0"/>
+            <a:endParaRPr lang="uk-UA"/>
           </a:p>
         </p:txBody>
       </p:sp>
@@ -11718,11 +11649,7 @@
           <a:bodyPr/>
           <a:lstStyle/>
           <a:p>
-            <a:r>
-              <a:rPr lang="en-US" dirty="0"/>
-              <a:t>Git’s main power comes from the ability to keep a record of every single change made to the files in your project by taking snapshots called commits. When you commit, Git only stores a summary of the changes, rather than storing entire copies of every changed file. This keeps things fast and stops a repository from getting unreasonably large.</a:t>
-            </a:r>
-            <a:endParaRPr lang="uk-UA" dirty="0"/>
+            <a:endParaRPr lang="uk-UA"/>
           </a:p>
         </p:txBody>
       </p:sp>
@@ -11730,86 +11657,6 @@
     <p:extLst>
       <p:ext uri="{BB962C8B-B14F-4D97-AF65-F5344CB8AC3E}">
         <p14:creationId xmlns:p14="http://schemas.microsoft.com/office/powerpoint/2010/main" val="1102124383"/>
-      </p:ext>
-    </p:extLst>
-  </p:cSld>
-  <p:clrMapOvr>
-    <a:masterClrMapping/>
-  </p:clrMapOvr>
-</p:sld>
-</file>
-
-<file path=ppt/slides/slide6.xml><?xml version="1.0" encoding="utf-8"?>
-<p:sld xmlns:a="http://schemas.openxmlformats.org/drawingml/2006/main" xmlns:r="http://schemas.openxmlformats.org/officeDocument/2006/relationships" xmlns:p="http://schemas.openxmlformats.org/presentationml/2006/main">
-  <p:cSld>
-    <p:spTree>
-      <p:nvGrpSpPr>
-        <p:cNvPr id="1" name=""/>
-        <p:cNvGrpSpPr/>
-        <p:nvPr/>
-      </p:nvGrpSpPr>
-      <p:grpSpPr>
-        <a:xfrm>
-          <a:off x="0" y="0"/>
-          <a:ext cx="0" cy="0"/>
-          <a:chOff x="0" y="0"/>
-          <a:chExt cx="0" cy="0"/>
-        </a:xfrm>
-      </p:grpSpPr>
-      <p:sp>
-        <p:nvSpPr>
-          <p:cNvPr id="2" name="Заголовок 1">
-            <a:extLst>
-              <a:ext uri="{FF2B5EF4-FFF2-40B4-BE49-F238E27FC236}">
-                <a16:creationId xmlns:a16="http://schemas.microsoft.com/office/drawing/2014/main" id="{3C5291A8-1A48-E692-D4DC-3DDA19A7181C}"/>
-              </a:ext>
-            </a:extLst>
-          </p:cNvPr>
-          <p:cNvSpPr>
-            <a:spLocks noGrp="1"/>
-          </p:cNvSpPr>
-          <p:nvPr>
-            <p:ph type="title"/>
-          </p:nvPr>
-        </p:nvSpPr>
-        <p:spPr/>
-        <p:txBody>
-          <a:bodyPr/>
-          <a:lstStyle/>
-          <a:p>
-            <a:endParaRPr lang="uk-UA"/>
-          </a:p>
-        </p:txBody>
-      </p:sp>
-      <p:sp>
-        <p:nvSpPr>
-          <p:cNvPr id="3" name="Місце для вмісту 2">
-            <a:extLst>
-              <a:ext uri="{FF2B5EF4-FFF2-40B4-BE49-F238E27FC236}">
-                <a16:creationId xmlns:a16="http://schemas.microsoft.com/office/drawing/2014/main" id="{6B1290D2-BB47-3719-749C-DAB53FB5C226}"/>
-              </a:ext>
-            </a:extLst>
-          </p:cNvPr>
-          <p:cNvSpPr>
-            <a:spLocks noGrp="1"/>
-          </p:cNvSpPr>
-          <p:nvPr>
-            <p:ph idx="1"/>
-          </p:nvPr>
-        </p:nvSpPr>
-        <p:spPr/>
-        <p:txBody>
-          <a:bodyPr/>
-          <a:lstStyle/>
-          <a:p>
-            <a:endParaRPr lang="uk-UA"/>
-          </a:p>
-        </p:txBody>
-      </p:sp>
-    </p:spTree>
-    <p:extLst>
-      <p:ext uri="{BB962C8B-B14F-4D97-AF65-F5344CB8AC3E}">
-        <p14:creationId xmlns:p14="http://schemas.microsoft.com/office/powerpoint/2010/main" val="3498960716"/>
       </p:ext>
     </p:extLst>
   </p:cSld>

--- a/Work-case№1.pptx
+++ b/Work-case№1.pptx
@@ -10,6 +10,11 @@
     <p:sldId id="258" r:id="rId4"/>
     <p:sldId id="259" r:id="rId5"/>
     <p:sldId id="260" r:id="rId6"/>
+    <p:sldId id="262" r:id="rId7"/>
+    <p:sldId id="263" r:id="rId8"/>
+    <p:sldId id="264" r:id="rId9"/>
+    <p:sldId id="265" r:id="rId10"/>
+    <p:sldId id="266" r:id="rId11"/>
   </p:sldIdLst>
   <p:sldSz cx="12192000" cy="6858000"/>
   <p:notesSz cx="6858000" cy="9144000"/>
@@ -222,6 +227,33 @@
     </inkml:brush>
   </inkml:definitions>
   <inkml:trace contextRef="#ctx0" brushRef="#br0">1079 706 24575,'-23'-86'0,"-65"-156"0,66 197 0,-1 0 0,-2 2 0,-1 0 0,-60-70 0,77 103 0,0 1 0,-1-1 0,0 2 0,-1 0 0,1 0 0,-20-10 0,24 15 0,1 0 0,0 1 0,-1 0 0,0 0 0,1 0 0,-1 1 0,0 0 0,0 0 0,0 1 0,1-1 0,-1 1 0,0 1 0,0-1 0,0 1 0,0 0 0,0 0 0,-5 2 0,8-1 0,0-1 0,0 1 0,0-1 0,0 1 0,1 0 0,-1 0 0,1 0 0,0 1 0,-1-1 0,1 0 0,0 1 0,0-1 0,0 1 0,1 0 0,-1 0 0,1 0 0,-1 0 0,1 0 0,0 0 0,0 0 0,1 0 0,-1 0 0,0 1 0,1-1 0,0 0 0,0 0 0,0 7 0,2 8 0,0 0 0,1 0 0,9 30 0,-10-39 0,19 61 0,3-1 0,4 0 0,2-2 0,4-1 0,2-2 0,3-2 0,2-1 0,69 77 0,-97-124 0,0 0 0,1 0 0,0-2 0,1 0 0,25 17 0,-33-25 0,0-1 0,1 1 0,-1-1 0,1-1 0,-1 1 0,1-1 0,0-1 0,0 1 0,0-1 0,0-1 0,0 1 0,0-1 0,0-1 0,0 1 0,14-4 0,-16 2 0,-1 1 0,1-1 0,-1 1 0,1-2 0,-1 1 0,0-1 0,0 1 0,0-1 0,0-1 0,0 1 0,7-8 0,-9 7 0,0 0 0,0 0 0,0-1 0,-1 1 0,0-1 0,0 1 0,0-1 0,0 0 0,-1 0 0,0 0 0,0 0 0,0 0 0,-1 0 0,0-5 0,-1-226 0,-2 84 0,1 165 0,-1-1 0,-1 0 0,-9 22 0,-6 18 0,10-28 0,-1 0 0,0-1 0,-2 0 0,-1-1 0,-22 30 0,8-16 0,-2-1 0,-42 38 0,31-36 0,-2-2 0,-1-2 0,-94 55 0,108-73 0,0-1 0,-1-1 0,0-2 0,-1-1 0,0-2 0,-1 0 0,0-3 0,-34 3 0,62-8 0,-41 3 0,0-2 0,-89-9 0,123 6 0,0 0 0,-1 0 0,1-1 0,0 0 0,0-1 0,1-1 0,-1 1 0,1-2 0,0 1 0,0-1 0,1-1 0,-1 0 0,2 0 0,-1-1 0,1 0 0,0 0 0,-8-13 0,13 16 0,0 0 0,0 0 0,1-1 0,0 1 0,0-1 0,0 1 0,1-1 0,0 0 0,0 0 0,0 0 0,1 0 0,0 1 0,1-9 0,-1 11 0,0 0 0,1 0 0,-1 0 0,1 0 0,0 0 0,0 0 0,0 0 0,0 1 0,0-1 0,1 0 0,0 1 0,-1-1 0,1 1 0,0 0 0,0-1 0,0 1 0,0 0 0,0 0 0,1 0 0,-1 1 0,1-1 0,-1 0 0,1 1 0,-1 0 0,1 0 0,0-1 0,4 0 0,332-66 0,-250 56 0,169-1 0,-224 15 0,-24-1 0,1 0 0,-1-1 0,0 0 0,0 0 0,0-1 0,1 0 0,12-4 0,-21 4 0,-1 1 0,0-1 0,1 1 0,-1-1 0,0 0 0,0 0 0,0 1 0,0-1 0,1 0 0,-1 0 0,0 0 0,-1 0 0,1 0 0,0 0 0,0-1 0,0 1 0,-1 0 0,1 0 0,0-1 0,-1 1 0,1 0 0,-1-1 0,1 0 0,-1-1 0,0 0 0,0 0 0,0 0 0,-1 0 0,1 0 0,-1 0 0,1 1 0,-1-1 0,0 0 0,-2-4 0,-2-4 0,-1 1 0,-1 0 0,1 0 0,-12-12 0,-22-19 0,-3 2 0,0 2 0,-75-47 0,116 82 0,-37-27 0,19 14 0,1 1 0,-2 1 0,-40-20 0,60 32 0,-1 0 0,1 1 0,-1-1 0,0 1 0,1-1 0,-1 1 0,0-1 0,0 1 0,1 0 0,-1 0 0,0 0 0,1 0 0,-1 0 0,0 0 0,0 1 0,1-1 0,-1 0 0,0 1 0,1 0 0,-1-1 0,1 1 0,-1 0 0,-1 1 0,1 0 0,0 0 0,0 0 0,1 0 0,-1 0 0,1 0 0,0 0 0,0 0 0,-1 1 0,1-1 0,1 1 0,-1-1 0,0 1 0,0 4 0,-1 8 0,1-1 0,1 1 0,0 0 0,3 19 0,2-7 0,2 0 0,0-1 0,15 36 0,-6-18 0,-16-43 0,4 13 0,2 1 0,-1-1 0,2 0 0,14 25 0,-18-35 0,0-1 0,0 1 0,1-1 0,-1 1 0,1-1 0,0 0 0,0 0 0,0 0 0,0-1 0,1 0 0,-1 0 0,1 0 0,-1 0 0,1 0 0,0-1 0,-1 0 0,1 0 0,0 0 0,6-1 0,128 20-1365</inkml:trace>
+</inkml:ink>
+</file>
+
+<file path=ppt/ink/ink3.xml><?xml version="1.0" encoding="utf-8"?>
+<inkml:ink xmlns:inkml="http://www.w3.org/2003/InkML">
+  <inkml:definitions>
+    <inkml:context xml:id="ctx0">
+      <inkml:inkSource xml:id="inkSrc0">
+        <inkml:traceFormat>
+          <inkml:channel name="X" type="integer" min="-2.14748E9" max="2.14748E9" units="cm"/>
+          <inkml:channel name="Y" type="integer" min="-2.14748E9" max="2.14748E9" units="cm"/>
+          <inkml:channel name="F" type="integer" max="32767" units="dev"/>
+        </inkml:traceFormat>
+        <inkml:channelProperties>
+          <inkml:channelProperty channel="X" name="resolution" value="1000" units="1/cm"/>
+          <inkml:channelProperty channel="Y" name="resolution" value="1000" units="1/cm"/>
+          <inkml:channelProperty channel="F" name="resolution" value="0" units="1/dev"/>
+        </inkml:channelProperties>
+      </inkml:inkSource>
+      <inkml:timestamp xml:id="ts0" timeString="2024-02-02T22:06:14.241"/>
+    </inkml:context>
+    <inkml:brush xml:id="br0">
+      <inkml:brushProperty name="width" value="0.35" units="cm"/>
+      <inkml:brushProperty name="height" value="0.35" units="cm"/>
+    </inkml:brush>
+  </inkml:definitions>
+  <inkml:trace contextRef="#ctx0" brushRef="#br0">815 622 24575,'3'-46'0,"1"0"0,17-71 0,-7 45 0,-11 58 0,-1 14 0,1 24 0,-3-24 0,38 454 0,14 222 0,-52-562 0,0-248 0,-5-107 0,1 189 0,-3 0 0,-20-83 0,22 115 0,4 14 0,0 1 0,0-1 0,0 0 0,-1 1 0,0-1 0,0 1 0,0 0 0,-1 0 0,0 0 0,0 0 0,0 0 0,-7-7 0,8 11 0,1 1 0,0-1 0,-1 1 0,1-1 0,0 1 0,-1 0 0,1 0 0,0 0 0,-1 0 0,1 0 0,-1 0 0,1 0 0,0 0 0,-1 0 0,1 1 0,0-1 0,-1 1 0,1-1 0,0 1 0,-1-1 0,1 1 0,0 0 0,0 0 0,0-1 0,0 1 0,0 0 0,0 0 0,0 0 0,-2 2 0,-30 36 0,29-33 0,-26 37 0,-10 13 0,39-55 0,0 0 0,1 1 0,-1-1 0,0 0 0,0 0 0,0 0 0,0 0 0,0 0 0,0 0 0,-1 0 0,1-1 0,0 1 0,0 0 0,-1-1 0,1 1 0,0-1 0,-1 1 0,1-1 0,-1 1 0,1-1 0,0 0 0,-1 0 0,1 0 0,-1 0 0,1 0 0,-1 0 0,1 0 0,0 0 0,-1-1 0,1 1 0,-1 0 0,1-1 0,0 1 0,-1-1 0,1 0 0,0 1 0,0-1 0,-1 0 0,1 0 0,0 0 0,0 0 0,0 0 0,0 0 0,0 0 0,-1-1 0,-3-6 0,-1-1 0,1 1 0,1-1 0,-1 0 0,-4-17 0,-9-29 0,-16-94 0,2-64 0,27 175 0,-33-445 0,39 451 0,-1 32 0,0 0 0,0 0 0,0 0 0,0 0 0,0 1 0,1-1 0,-1 0 0,0 0 0,0 0 0,0 0 0,0 0 0,0 0 0,1 0 0,-1 0 0,0 0 0,0 0 0,0 1 0,0-1 0,1 0 0,-1 0 0,0 0 0,0 0 0,0 0 0,0 0 0,0 0 0,1 0 0,-1 0 0,0 0 0,0 0 0,0-1 0,0 1 0,1 0 0,-1 0 0,0 0 0,0 0 0,0 0 0,0 0 0,0 0 0,1 0 0,-1 0 0,0 0 0,0-1 0,0 1 0,0 0 0,0 0 0,0 0 0,0 0 0,1 0 0,-1 0 0,0-1 0,0 1 0,0 0 0,0 0 0,0 0 0,0 0 0,0-1 0,0 1 0,8 17 0,18 63 0,-4 1 0,-4 1 0,11 109 0,-21-125 0,-3 1 0,-3 0 0,-7 68 0,5-132 0,0 0 0,0-1 0,0 1 0,-1 0 0,1-1 0,-1 1 0,0-1 0,0 1 0,0-1 0,0 1 0,0-1 0,0 1 0,-1-1 0,1 0 0,-1 0 0,0 0 0,1 0 0,-1 0 0,0 0 0,0 0 0,-1-1 0,-1 2 0,1-2 0,0 0 0,1 0 0,-1-1 0,0 1 0,0-1 0,0 0 0,0 0 0,0 0 0,0 0 0,0-1 0,1 1 0,-1-1 0,0 0 0,0 0 0,0 0 0,1 0 0,-1 0 0,1 0 0,-1-1 0,-2-1 0,-12-8 0,1-1 0,-17-15 0,-16-11 0,40 32 0,-1 1 0,0 1 0,0 0 0,0 0 0,0 1 0,-1 0 0,1 1 0,-1 0 0,1 1 0,-17-1 0,-12 2 0,-57 7 0,81-4 0,1 0 0,0 1 0,-1 1 0,2 0 0,-20 10 0,-1-1 0,34-13 0,-1 0 0,0-1 0,0 1 0,1-1 0,-1 0 0,0 1 0,0-1 0,0 0 0,0 0 0,0 1 0,0-1 0,1 0 0,-1 0 0,0 0 0,0 0 0,0 0 0,0 0 0,0 0 0,0 0 0,0-1 0,0 1 0,1 0 0,-1 0 0,-1-1 0,2 0 0,0 0 0,-1 0 0,1 0 0,0 1 0,0-1 0,0 0 0,0 0 0,0 0 0,0 0 0,1 0 0,-1 1 0,0-1 0,0 0 0,1 0 0,-1 0 0,0 1 0,1-1 0,-1 0 0,1-1 0,30-41 0,-31 43 0,41-51 0,-2-2 0,45-82 0,-67 108 0,-15 26 0,-10 17 0,-12 21 0,2-4 0,-27 39 0,44-70 0,0-1 0,0 1 0,0-1 0,0 0 0,0 1 0,0-1 0,0 0 0,-1 1 0,1-1 0,0 0 0,-1 0 0,1 0 0,-1 0 0,1 0 0,-1-1 0,0 1 0,1 0 0,-1-1 0,0 1 0,1-1 0,-4 1 0,4-2 0,-1 0 0,1 0 0,0 0 0,-1 0 0,1 0 0,0 0 0,0 0 0,-1 0 0,1 0 0,0-1 0,0 1 0,0 0 0,1-1 0,-1 1 0,0-1 0,0 1 0,1-1 0,-1 0 0,1 1 0,0-1 0,-1 1 0,1-4 0,-28-128 0,-8-33 0,32 148 0,9 25 0,14 35 0,-17-36 0,51 101 0,83 124 0,-103-178 0,-19-23 0,-11-23 0,0 0 0,0-1 0,1 1 0,0-1 0,9 11 0,-12-15 0,0-1 0,0 0 0,1 0 0,-1 0 0,0-1 0,1 1 0,-1 0 0,1 0 0,-1-1 0,0 1 0,1-1 0,0 1 0,-1-1 0,1 0 0,-1 1 0,1-1 0,-1 0 0,1 0 0,0 0 0,-1 0 0,1-1 0,-1 1 0,1 0 0,0-1 0,-1 1 0,1-1 0,-1 1 0,1-1 0,-1 0 0,0 0 0,3-1 0,0 0 0,-1-1 0,1 1 0,-1-1 0,0 0 0,0 0 0,0 0 0,0 0 0,0-1 0,-1 1 0,0-1 0,1 1 0,-1-1 0,-1 0 0,3-5 0,-1 0 0,-1 1 0,0-1 0,-1 1 0,0-1 0,0-16 0,5 34 0,4 17 0,359 893 0,-364-908 0,26 47 0,-29-53 0,1-1 0,0 0 0,0 0 0,0-1 0,1 1 0,0 0 0,-1-1 0,1 0 0,0 0 0,5 3 0,-7-6 0,-1 0 0,1 1 0,-1-1 0,1 0 0,-1 0 0,1 0 0,0 0 0,-1 0 0,1 0 0,-1-1 0,1 1 0,-1 0 0,1-1 0,-1 1 0,0-1 0,1 0 0,-1 1 0,1-1 0,-1 0 0,0 0 0,0 0 0,1 0 0,-1 0 0,0 0 0,0 0 0,0 0 0,0 0 0,0-1 0,-1 1 0,1 0 0,0-1 0,0-1 0,6-8 0,-1-1 0,8-20 0,-13 30 0,10-29 0,-2 0 0,-1-1 0,-2 1 0,-1-1 0,-1-1 0,-2 1 0,-3-44 0,-4-10 0,-27-129 0,19 149 0,-34-104 0,39 146 0,-1 0 0,-2 1 0,0 1 0,-2-1 0,0 2 0,-1 0 0,-27-30 0,33 44 0,0 0 0,-1 1 0,0 0 0,0 0 0,-1 1 0,0 0 0,1 1 0,-2 0 0,1 0 0,0 1 0,-1 1 0,-19-3 0,-4 1 0,-1 2 0,-58 3 0,54 1 0,0 1 0,0 2 0,1 2 0,0 1 0,0 2 0,-40 17 0,75-26 0,0 1 0,0-1 0,0 1 0,0-1 0,1 1 0,-1 0 0,0 0 0,1 0 0,0 0 0,-1 1 0,1-1 0,0 0 0,0 1 0,1 0 0,-1-1 0,0 1 0,1 0 0,0 0 0,0 0 0,-2 4 0,3-5 0,0 0 0,0 1 0,1-1 0,-1 0 0,0 0 0,1 1 0,0-1 0,-1 0 0,1 0 0,0 0 0,0 0 0,0 0 0,0 0 0,1 0 0,-1 0 0,0 0 0,1-1 0,-1 1 0,1 0 0,0-1 0,-1 0 0,1 1 0,0-1 0,0 0 0,0 0 0,0 0 0,0 0 0,0 0 0,3 1 0,7 2 0,1 1 0,-1-2 0,1 1 0,0-2 0,24 2 0,71-2 0,-66-3 0,5 1 0,0-2 0,0-2 0,-1-3 0,0-1 0,65-20 0,-40 3 0,-2-3 0,-1-2 0,-1-4 0,-2-2 0,67-50 0,-121 74 0,-11 12 0,0 0 0,1 0 0,-1 0 0,0 0 0,0-1 0,0 1 0,0 0 0,0 0 0,0 0 0,0 0 0,0 0 0,0 0 0,0 0 0,0-1 0,0 1 0,0 0 0,0 0 0,0 0 0,0 0 0,0 0 0,0 0 0,0-1 0,0 1 0,-1 0 0,1 0 0,0 0 0,0 0 0,0 0 0,0 0 0,0 0 0,0 0 0,0 0 0,0-1 0,0 1 0,0 0 0,-1 0 0,1 0 0,0 0 0,0 0 0,0 0 0,0 0 0,0 0 0,0 0 0,0 0 0,-1 0 0,1 0 0,0 0 0,0 0 0,0 0 0,0 0 0,0 0 0,-3 0 0,1 0 0,-1 1 0,1-1 0,-1 1 0,1-1 0,0 1 0,0 0 0,-1 0 0,-2 1 0,-65 40 0,-93 71 0,-44 27 0,165-116-1365</inkml:trace>
 </inkml:ink>
 </file>
 
@@ -8910,6 +8942,18 @@
               <a:rPr lang="en-US" dirty="0"/>
               <a:t> Maksym</a:t>
             </a:r>
+            <a:r>
+              <a:rPr lang="uk-UA" dirty="0"/>
+              <a:t> </a:t>
+            </a:r>
+            <a:r>
+              <a:rPr lang="en-US" dirty="0"/>
+              <a:t>and Yemets </a:t>
+            </a:r>
+            <a:r>
+              <a:rPr lang="en-US" dirty="0" err="1"/>
+              <a:t>Valeriia</a:t>
+            </a:r>
             <a:endParaRPr lang="uk-UA" dirty="0"/>
           </a:p>
         </p:txBody>
@@ -8918,6 +8962,145 @@
     <p:extLst>
       <p:ext uri="{BB962C8B-B14F-4D97-AF65-F5344CB8AC3E}">
         <p14:creationId xmlns:p14="http://schemas.microsoft.com/office/powerpoint/2010/main" val="124819762"/>
+      </p:ext>
+    </p:extLst>
+  </p:cSld>
+  <p:clrMapOvr>
+    <a:masterClrMapping/>
+  </p:clrMapOvr>
+</p:sld>
+</file>
+
+<file path=ppt/slides/slide10.xml><?xml version="1.0" encoding="utf-8"?>
+<p:sld xmlns:a="http://schemas.openxmlformats.org/drawingml/2006/main" xmlns:r="http://schemas.openxmlformats.org/officeDocument/2006/relationships" xmlns:p="http://schemas.openxmlformats.org/presentationml/2006/main">
+  <p:cSld>
+    <p:spTree>
+      <p:nvGrpSpPr>
+        <p:cNvPr id="1" name=""/>
+        <p:cNvGrpSpPr/>
+        <p:nvPr/>
+      </p:nvGrpSpPr>
+      <p:grpSpPr>
+        <a:xfrm>
+          <a:off x="0" y="0"/>
+          <a:ext cx="0" cy="0"/>
+          <a:chOff x="0" y="0"/>
+          <a:chExt cx="0" cy="0"/>
+        </a:xfrm>
+      </p:grpSpPr>
+      <p:pic>
+        <p:nvPicPr>
+          <p:cNvPr id="3" name="Рисунок 2">
+            <a:extLst>
+              <a:ext uri="{FF2B5EF4-FFF2-40B4-BE49-F238E27FC236}">
+                <a16:creationId xmlns:a16="http://schemas.microsoft.com/office/drawing/2014/main" id="{EFDEE8F0-F834-DF8B-F629-0DC589745456}"/>
+              </a:ext>
+            </a:extLst>
+          </p:cNvPr>
+          <p:cNvPicPr>
+            <a:picLocks noChangeAspect="1"/>
+          </p:cNvPicPr>
+          <p:nvPr/>
+        </p:nvPicPr>
+        <p:blipFill>
+          <a:blip r:embed="rId2"/>
+          <a:stretch>
+            <a:fillRect/>
+          </a:stretch>
+        </p:blipFill>
+        <p:spPr>
+          <a:xfrm>
+            <a:off x="0" y="-83191"/>
+            <a:ext cx="12192000" cy="5816367"/>
+          </a:xfrm>
+          <a:prstGeom prst="rect">
+            <a:avLst/>
+          </a:prstGeom>
+        </p:spPr>
+      </p:pic>
+      <p:sp>
+        <p:nvSpPr>
+          <p:cNvPr id="4" name="TextBox 3">
+            <a:extLst>
+              <a:ext uri="{FF2B5EF4-FFF2-40B4-BE49-F238E27FC236}">
+                <a16:creationId xmlns:a16="http://schemas.microsoft.com/office/drawing/2014/main" id="{3B2857FA-A33E-4ABE-E5A8-CB7439E42A92}"/>
+              </a:ext>
+            </a:extLst>
+          </p:cNvPr>
+          <p:cNvSpPr txBox="1"/>
+          <p:nvPr/>
+        </p:nvSpPr>
+        <p:spPr>
+          <a:xfrm>
+            <a:off x="176169" y="5872294"/>
+            <a:ext cx="6467912" cy="369332"/>
+          </a:xfrm>
+          <a:prstGeom prst="rect">
+            <a:avLst/>
+          </a:prstGeom>
+          <a:noFill/>
+        </p:spPr>
+        <p:txBody>
+          <a:bodyPr wrap="square" rtlCol="0">
+            <a:spAutoFit/>
+          </a:bodyPr>
+          <a:lstStyle/>
+          <a:p>
+            <a:r>
+              <a:rPr lang="uk-UA" dirty="0"/>
+              <a:t>Для опису виправлень можна добавити </a:t>
+            </a:r>
+            <a:r>
+              <a:rPr lang="en-US" dirty="0"/>
+              <a:t>commit</a:t>
+            </a:r>
+            <a:endParaRPr lang="uk-UA" dirty="0"/>
+          </a:p>
+        </p:txBody>
+      </p:sp>
+      <p:cxnSp>
+        <p:nvCxnSpPr>
+          <p:cNvPr id="6" name="Пряма зі стрілкою 5">
+            <a:extLst>
+              <a:ext uri="{FF2B5EF4-FFF2-40B4-BE49-F238E27FC236}">
+                <a16:creationId xmlns:a16="http://schemas.microsoft.com/office/drawing/2014/main" id="{FB8D5C8B-B192-798C-DE2F-B8D4C0D9868B}"/>
+              </a:ext>
+            </a:extLst>
+          </p:cNvPr>
+          <p:cNvCxnSpPr/>
+          <p:nvPr/>
+        </p:nvCxnSpPr>
+        <p:spPr>
+          <a:xfrm flipV="1">
+            <a:off x="1325461" y="3624044"/>
+            <a:ext cx="1124124" cy="2323750"/>
+          </a:xfrm>
+          <a:prstGeom prst="straightConnector1">
+            <a:avLst/>
+          </a:prstGeom>
+          <a:ln>
+            <a:tailEnd type="triangle"/>
+          </a:ln>
+        </p:spPr>
+        <p:style>
+          <a:lnRef idx="1">
+            <a:schemeClr val="accent1"/>
+          </a:lnRef>
+          <a:fillRef idx="0">
+            <a:schemeClr val="accent1"/>
+          </a:fillRef>
+          <a:effectRef idx="0">
+            <a:schemeClr val="accent1"/>
+          </a:effectRef>
+          <a:fontRef idx="minor">
+            <a:schemeClr val="tx1"/>
+          </a:fontRef>
+        </p:style>
+      </p:cxnSp>
+    </p:spTree>
+    <p:extLst>
+      <p:ext uri="{BB962C8B-B14F-4D97-AF65-F5344CB8AC3E}">
+        <p14:creationId xmlns:p14="http://schemas.microsoft.com/office/powerpoint/2010/main" val="3199937854"/>
       </p:ext>
     </p:extLst>
   </p:cSld>
@@ -11624,7 +11807,63 @@
           <a:bodyPr/>
           <a:lstStyle/>
           <a:p>
-            <a:endParaRPr lang="uk-UA"/>
+            <a:r>
+              <a:rPr lang="ru-RU" b="1" dirty="0" err="1"/>
+              <a:t>Що</a:t>
+            </a:r>
+            <a:r>
+              <a:rPr lang="ru-RU" b="1" dirty="0"/>
+              <a:t> </a:t>
+            </a:r>
+            <a:r>
+              <a:rPr lang="ru-RU" b="1" dirty="0" err="1"/>
+              <a:t>таке</a:t>
+            </a:r>
+            <a:r>
+              <a:rPr lang="ru-RU" b="1" dirty="0"/>
+              <a:t> "</a:t>
+            </a:r>
+            <a:r>
+              <a:rPr lang="ru-RU" b="1" dirty="0" err="1"/>
+              <a:t>комміт</a:t>
+            </a:r>
+            <a:r>
+              <a:rPr lang="ru-RU" b="1" dirty="0"/>
+              <a:t>", як </a:t>
+            </a:r>
+            <a:r>
+              <a:rPr lang="ru-RU" b="1" dirty="0" err="1"/>
+              <a:t>він</a:t>
+            </a:r>
+            <a:r>
+              <a:rPr lang="ru-RU" b="1" dirty="0"/>
+              <a:t> </a:t>
+            </a:r>
+            <a:r>
+              <a:rPr lang="ru-RU" b="1" dirty="0" err="1"/>
+              <a:t>дозволяє</a:t>
+            </a:r>
+            <a:r>
+              <a:rPr lang="ru-RU" b="1" dirty="0"/>
+              <a:t> </a:t>
+            </a:r>
+            <a:r>
+              <a:rPr lang="ru-RU" b="1" dirty="0" err="1"/>
+              <a:t>відслідковувати</a:t>
+            </a:r>
+            <a:r>
+              <a:rPr lang="ru-RU" b="1" dirty="0"/>
+              <a:t> </a:t>
+            </a:r>
+            <a:r>
+              <a:rPr lang="ru-RU" b="1" dirty="0" err="1"/>
+              <a:t>зміни</a:t>
+            </a:r>
+            <a:r>
+              <a:rPr lang="ru-RU" b="1" dirty="0"/>
+              <a:t> у файлах?</a:t>
+            </a:r>
+            <a:endParaRPr lang="uk-UA" b="1" dirty="0"/>
           </a:p>
         </p:txBody>
       </p:sp>
@@ -11649,7 +11888,11 @@
           <a:bodyPr/>
           <a:lstStyle/>
           <a:p>
-            <a:endParaRPr lang="uk-UA"/>
+            <a:r>
+              <a:rPr lang="en-US" dirty="0"/>
+              <a:t>Git’s main power comes from the ability to keep a record of every single change made to the files in your project by taking snapshots called commits. When you commit, Git only stores a summary of the changes, rather than storing entire copies of every changed file. This keeps things fast and stops a repository from getting unreasonably large.</a:t>
+            </a:r>
+            <a:endParaRPr lang="uk-UA" dirty="0"/>
           </a:p>
         </p:txBody>
       </p:sp>
@@ -11657,6 +11900,1231 @@
     <p:extLst>
       <p:ext uri="{BB962C8B-B14F-4D97-AF65-F5344CB8AC3E}">
         <p14:creationId xmlns:p14="http://schemas.microsoft.com/office/powerpoint/2010/main" val="1102124383"/>
+      </p:ext>
+    </p:extLst>
+  </p:cSld>
+  <p:clrMapOvr>
+    <a:masterClrMapping/>
+  </p:clrMapOvr>
+</p:sld>
+</file>
+
+<file path=ppt/slides/slide6.xml><?xml version="1.0" encoding="utf-8"?>
+<p:sld xmlns:a="http://schemas.openxmlformats.org/drawingml/2006/main" xmlns:r="http://schemas.openxmlformats.org/officeDocument/2006/relationships" xmlns:p="http://schemas.openxmlformats.org/presentationml/2006/main">
+  <p:cSld>
+    <p:spTree>
+      <p:nvGrpSpPr>
+        <p:cNvPr id="1" name=""/>
+        <p:cNvGrpSpPr/>
+        <p:nvPr/>
+      </p:nvGrpSpPr>
+      <p:grpSpPr>
+        <a:xfrm>
+          <a:off x="0" y="0"/>
+          <a:ext cx="0" cy="0"/>
+          <a:chOff x="0" y="0"/>
+          <a:chExt cx="0" cy="0"/>
+        </a:xfrm>
+      </p:grpSpPr>
+      <p:pic>
+        <p:nvPicPr>
+          <p:cNvPr id="5" name="Рисунок 4">
+            <a:extLst>
+              <a:ext uri="{FF2B5EF4-FFF2-40B4-BE49-F238E27FC236}">
+                <a16:creationId xmlns:a16="http://schemas.microsoft.com/office/drawing/2014/main" id="{37C80A4C-F9FA-C27E-8FDA-DA146AF21D5C}"/>
+              </a:ext>
+            </a:extLst>
+          </p:cNvPr>
+          <p:cNvPicPr>
+            <a:picLocks noChangeAspect="1"/>
+          </p:cNvPicPr>
+          <p:nvPr/>
+        </p:nvPicPr>
+        <p:blipFill rotWithShape="1">
+          <a:blip r:embed="rId2">
+            <a:extLst>
+              <a:ext uri="{28A0092B-C50C-407E-A947-70E740481C1C}">
+                <a14:useLocalDpi xmlns:a14="http://schemas.microsoft.com/office/drawing/2010/main" val="0"/>
+              </a:ext>
+            </a:extLst>
+          </a:blip>
+          <a:srcRect l="24803" t="13200" r="26559"/>
+          <a:stretch/>
+        </p:blipFill>
+        <p:spPr>
+          <a:xfrm>
+            <a:off x="0" y="100668"/>
+            <a:ext cx="5905849" cy="5977156"/>
+          </a:xfrm>
+          <a:prstGeom prst="rect">
+            <a:avLst/>
+          </a:prstGeom>
+        </p:spPr>
+      </p:pic>
+      <p:sp>
+        <p:nvSpPr>
+          <p:cNvPr id="6" name="TextBox 5">
+            <a:extLst>
+              <a:ext uri="{FF2B5EF4-FFF2-40B4-BE49-F238E27FC236}">
+                <a16:creationId xmlns:a16="http://schemas.microsoft.com/office/drawing/2014/main" id="{E232A034-72AA-1D11-AB63-E916FFE72AC4}"/>
+              </a:ext>
+            </a:extLst>
+          </p:cNvPr>
+          <p:cNvSpPr txBox="1"/>
+          <p:nvPr/>
+        </p:nvSpPr>
+        <p:spPr>
+          <a:xfrm>
+            <a:off x="5905849" y="1166072"/>
+            <a:ext cx="2994870" cy="369332"/>
+          </a:xfrm>
+          <a:prstGeom prst="rect">
+            <a:avLst/>
+          </a:prstGeom>
+          <a:noFill/>
+        </p:spPr>
+        <p:txBody>
+          <a:bodyPr wrap="square" rtlCol="0">
+            <a:spAutoFit/>
+          </a:bodyPr>
+          <a:lstStyle/>
+          <a:p>
+            <a:r>
+              <a:rPr lang="uk-UA" dirty="0"/>
+              <a:t>Даємо назву репозиторію</a:t>
+            </a:r>
+          </a:p>
+        </p:txBody>
+      </p:sp>
+      <p:cxnSp>
+        <p:nvCxnSpPr>
+          <p:cNvPr id="8" name="Пряма зі стрілкою 7">
+            <a:extLst>
+              <a:ext uri="{FF2B5EF4-FFF2-40B4-BE49-F238E27FC236}">
+                <a16:creationId xmlns:a16="http://schemas.microsoft.com/office/drawing/2014/main" id="{F2D22872-321D-EC4B-71CE-9698A7DE38FB}"/>
+              </a:ext>
+            </a:extLst>
+          </p:cNvPr>
+          <p:cNvCxnSpPr/>
+          <p:nvPr/>
+        </p:nvCxnSpPr>
+        <p:spPr>
+          <a:xfrm flipH="1">
+            <a:off x="3087149" y="1375794"/>
+            <a:ext cx="2734811" cy="75501"/>
+          </a:xfrm>
+          <a:prstGeom prst="straightConnector1">
+            <a:avLst/>
+          </a:prstGeom>
+          <a:ln>
+            <a:tailEnd type="triangle"/>
+          </a:ln>
+        </p:spPr>
+        <p:style>
+          <a:lnRef idx="1">
+            <a:schemeClr val="accent1"/>
+          </a:lnRef>
+          <a:fillRef idx="0">
+            <a:schemeClr val="accent1"/>
+          </a:fillRef>
+          <a:effectRef idx="0">
+            <a:schemeClr val="accent1"/>
+          </a:effectRef>
+          <a:fontRef idx="minor">
+            <a:schemeClr val="tx1"/>
+          </a:fontRef>
+        </p:style>
+      </p:cxnSp>
+      <p:sp>
+        <p:nvSpPr>
+          <p:cNvPr id="9" name="TextBox 8">
+            <a:extLst>
+              <a:ext uri="{FF2B5EF4-FFF2-40B4-BE49-F238E27FC236}">
+                <a16:creationId xmlns:a16="http://schemas.microsoft.com/office/drawing/2014/main" id="{27C527A0-4B66-E942-FD91-FB8C5F549007}"/>
+              </a:ext>
+            </a:extLst>
+          </p:cNvPr>
+          <p:cNvSpPr txBox="1"/>
+          <p:nvPr/>
+        </p:nvSpPr>
+        <p:spPr>
+          <a:xfrm>
+            <a:off x="6096000" y="2505670"/>
+            <a:ext cx="2922165" cy="923330"/>
+          </a:xfrm>
+          <a:prstGeom prst="rect">
+            <a:avLst/>
+          </a:prstGeom>
+          <a:noFill/>
+        </p:spPr>
+        <p:txBody>
+          <a:bodyPr wrap="square" rtlCol="0">
+            <a:spAutoFit/>
+          </a:bodyPr>
+          <a:lstStyle/>
+          <a:p>
+            <a:r>
+              <a:rPr lang="uk-UA" dirty="0"/>
+              <a:t>Публічне для особистого користування</a:t>
+            </a:r>
+            <a:br>
+              <a:rPr lang="uk-UA" dirty="0"/>
+            </a:br>
+            <a:r>
+              <a:rPr lang="uk-UA" dirty="0"/>
+              <a:t>Приватне - для компанії</a:t>
+            </a:r>
+          </a:p>
+        </p:txBody>
+      </p:sp>
+      <p:cxnSp>
+        <p:nvCxnSpPr>
+          <p:cNvPr id="11" name="Пряма зі стрілкою 10">
+            <a:extLst>
+              <a:ext uri="{FF2B5EF4-FFF2-40B4-BE49-F238E27FC236}">
+                <a16:creationId xmlns:a16="http://schemas.microsoft.com/office/drawing/2014/main" id="{640D22FB-B5D0-25ED-1C03-E20AE35117EB}"/>
+              </a:ext>
+            </a:extLst>
+          </p:cNvPr>
+          <p:cNvCxnSpPr>
+            <a:cxnSpLocks/>
+            <a:stCxn id="9" idx="1"/>
+          </p:cNvCxnSpPr>
+          <p:nvPr/>
+        </p:nvCxnSpPr>
+        <p:spPr>
+          <a:xfrm flipH="1">
+            <a:off x="3322040" y="2967335"/>
+            <a:ext cx="2773960" cy="121911"/>
+          </a:xfrm>
+          <a:prstGeom prst="straightConnector1">
+            <a:avLst/>
+          </a:prstGeom>
+          <a:ln>
+            <a:tailEnd type="triangle"/>
+          </a:ln>
+        </p:spPr>
+        <p:style>
+          <a:lnRef idx="1">
+            <a:schemeClr val="accent1"/>
+          </a:lnRef>
+          <a:fillRef idx="0">
+            <a:schemeClr val="accent1"/>
+          </a:fillRef>
+          <a:effectRef idx="0">
+            <a:schemeClr val="accent1"/>
+          </a:effectRef>
+          <a:fontRef idx="minor">
+            <a:schemeClr val="tx1"/>
+          </a:fontRef>
+        </p:style>
+      </p:cxnSp>
+      <p:sp>
+        <p:nvSpPr>
+          <p:cNvPr id="13" name="TextBox 12">
+            <a:extLst>
+              <a:ext uri="{FF2B5EF4-FFF2-40B4-BE49-F238E27FC236}">
+                <a16:creationId xmlns:a16="http://schemas.microsoft.com/office/drawing/2014/main" id="{6FEF7748-088B-BE70-7557-07CA46FCBAB7}"/>
+              </a:ext>
+            </a:extLst>
+          </p:cNvPr>
+          <p:cNvSpPr txBox="1"/>
+          <p:nvPr/>
+        </p:nvSpPr>
+        <p:spPr>
+          <a:xfrm>
+            <a:off x="6216242" y="4236440"/>
+            <a:ext cx="1979802" cy="646331"/>
+          </a:xfrm>
+          <a:prstGeom prst="rect">
+            <a:avLst/>
+          </a:prstGeom>
+          <a:noFill/>
+        </p:spPr>
+        <p:txBody>
+          <a:bodyPr wrap="square" rtlCol="0">
+            <a:spAutoFit/>
+          </a:bodyPr>
+          <a:lstStyle/>
+          <a:p>
+            <a:r>
+              <a:rPr lang="uk-UA" dirty="0"/>
+              <a:t>Для початку нам не потрібне</a:t>
+            </a:r>
+          </a:p>
+        </p:txBody>
+      </p:sp>
+      <p:sp>
+        <p:nvSpPr>
+          <p:cNvPr id="15" name="Прямокутник: округлені кути 14">
+            <a:extLst>
+              <a:ext uri="{FF2B5EF4-FFF2-40B4-BE49-F238E27FC236}">
+                <a16:creationId xmlns:a16="http://schemas.microsoft.com/office/drawing/2014/main" id="{C14F85B1-C357-581B-C229-281E408C2C3E}"/>
+              </a:ext>
+            </a:extLst>
+          </p:cNvPr>
+          <p:cNvSpPr/>
+          <p:nvPr/>
+        </p:nvSpPr>
+        <p:spPr>
+          <a:xfrm>
+            <a:off x="0" y="3429000"/>
+            <a:ext cx="4420998" cy="2573323"/>
+          </a:xfrm>
+          <a:prstGeom prst="roundRect">
+            <a:avLst/>
+          </a:prstGeom>
+          <a:noFill/>
+          <a:ln>
+            <a:solidFill>
+              <a:srgbClr val="00B050"/>
+            </a:solidFill>
+          </a:ln>
+        </p:spPr>
+        <p:style>
+          <a:lnRef idx="2">
+            <a:schemeClr val="accent1">
+              <a:shade val="15000"/>
+            </a:schemeClr>
+          </a:lnRef>
+          <a:fillRef idx="1">
+            <a:schemeClr val="accent1"/>
+          </a:fillRef>
+          <a:effectRef idx="0">
+            <a:schemeClr val="accent1"/>
+          </a:effectRef>
+          <a:fontRef idx="minor">
+            <a:schemeClr val="lt1"/>
+          </a:fontRef>
+        </p:style>
+        <p:txBody>
+          <a:bodyPr rtlCol="0" anchor="ctr"/>
+          <a:lstStyle/>
+          <a:p>
+            <a:pPr algn="ctr"/>
+            <a:endParaRPr lang="uk-UA"/>
+          </a:p>
+        </p:txBody>
+      </p:sp>
+      <p:cxnSp>
+        <p:nvCxnSpPr>
+          <p:cNvPr id="17" name="Пряма зі стрілкою 16">
+            <a:extLst>
+              <a:ext uri="{FF2B5EF4-FFF2-40B4-BE49-F238E27FC236}">
+                <a16:creationId xmlns:a16="http://schemas.microsoft.com/office/drawing/2014/main" id="{41112D7E-0516-03E8-64D5-A293A7449584}"/>
+              </a:ext>
+            </a:extLst>
+          </p:cNvPr>
+          <p:cNvCxnSpPr>
+            <a:cxnSpLocks/>
+            <a:stCxn id="13" idx="1"/>
+          </p:cNvCxnSpPr>
+          <p:nvPr/>
+        </p:nvCxnSpPr>
+        <p:spPr>
+          <a:xfrm flipH="1">
+            <a:off x="3322040" y="4559606"/>
+            <a:ext cx="2894202" cy="45680"/>
+          </a:xfrm>
+          <a:prstGeom prst="straightConnector1">
+            <a:avLst/>
+          </a:prstGeom>
+          <a:ln>
+            <a:tailEnd type="triangle"/>
+          </a:ln>
+        </p:spPr>
+        <p:style>
+          <a:lnRef idx="1">
+            <a:schemeClr val="accent1"/>
+          </a:lnRef>
+          <a:fillRef idx="0">
+            <a:schemeClr val="accent1"/>
+          </a:fillRef>
+          <a:effectRef idx="0">
+            <a:schemeClr val="accent1"/>
+          </a:effectRef>
+          <a:fontRef idx="minor">
+            <a:schemeClr val="tx1"/>
+          </a:fontRef>
+        </p:style>
+      </p:cxnSp>
+    </p:spTree>
+    <p:extLst>
+      <p:ext uri="{BB962C8B-B14F-4D97-AF65-F5344CB8AC3E}">
+        <p14:creationId xmlns:p14="http://schemas.microsoft.com/office/powerpoint/2010/main" val="1392101356"/>
+      </p:ext>
+    </p:extLst>
+  </p:cSld>
+  <p:clrMapOvr>
+    <a:masterClrMapping/>
+  </p:clrMapOvr>
+</p:sld>
+</file>
+
+<file path=ppt/slides/slide7.xml><?xml version="1.0" encoding="utf-8"?>
+<p:sld xmlns:a="http://schemas.openxmlformats.org/drawingml/2006/main" xmlns:r="http://schemas.openxmlformats.org/officeDocument/2006/relationships" xmlns:p="http://schemas.openxmlformats.org/presentationml/2006/main">
+  <p:cSld>
+    <p:spTree>
+      <p:nvGrpSpPr>
+        <p:cNvPr id="1" name=""/>
+        <p:cNvGrpSpPr/>
+        <p:nvPr/>
+      </p:nvGrpSpPr>
+      <p:grpSpPr>
+        <a:xfrm>
+          <a:off x="0" y="0"/>
+          <a:ext cx="0" cy="0"/>
+          <a:chOff x="0" y="0"/>
+          <a:chExt cx="0" cy="0"/>
+        </a:xfrm>
+      </p:grpSpPr>
+      <p:pic>
+        <p:nvPicPr>
+          <p:cNvPr id="3" name="Рисунок 2">
+            <a:extLst>
+              <a:ext uri="{FF2B5EF4-FFF2-40B4-BE49-F238E27FC236}">
+                <a16:creationId xmlns:a16="http://schemas.microsoft.com/office/drawing/2014/main" id="{72B480CC-5EA4-A0FC-C0F7-40EFB81315A2}"/>
+              </a:ext>
+            </a:extLst>
+          </p:cNvPr>
+          <p:cNvPicPr>
+            <a:picLocks noChangeAspect="1"/>
+          </p:cNvPicPr>
+          <p:nvPr/>
+        </p:nvPicPr>
+        <p:blipFill>
+          <a:blip r:embed="rId2"/>
+          <a:stretch>
+            <a:fillRect/>
+          </a:stretch>
+        </p:blipFill>
+        <p:spPr>
+          <a:xfrm>
+            <a:off x="1738867" y="612023"/>
+            <a:ext cx="1516511" cy="533446"/>
+          </a:xfrm>
+          <a:prstGeom prst="rect">
+            <a:avLst/>
+          </a:prstGeom>
+        </p:spPr>
+      </p:pic>
+      <mc:AlternateContent xmlns:mc="http://schemas.openxmlformats.org/markup-compatibility/2006">
+        <mc:Choice xmlns:p14="http://schemas.microsoft.com/office/powerpoint/2010/main" Requires="p14">
+          <p:contentPart p14:bwMode="auto" r:id="rId3">
+            <p14:nvContentPartPr>
+              <p14:cNvPr id="4" name="Рукописні дані 3">
+                <a:extLst>
+                  <a:ext uri="{FF2B5EF4-FFF2-40B4-BE49-F238E27FC236}">
+                    <a16:creationId xmlns:a16="http://schemas.microsoft.com/office/drawing/2014/main" id="{C9986F89-CC74-CB81-3BB3-ECFE2A6C5273}"/>
+                  </a:ext>
+                </a:extLst>
+              </p14:cNvPr>
+              <p14:cNvContentPartPr/>
+              <p14:nvPr/>
+            </p14:nvContentPartPr>
+            <p14:xfrm>
+              <a:off x="268458" y="598376"/>
+              <a:ext cx="437760" cy="628560"/>
+            </p14:xfrm>
+          </p:contentPart>
+        </mc:Choice>
+        <mc:Fallback>
+          <p:pic>
+            <p:nvPicPr>
+              <p:cNvPr id="4" name="Рукописні дані 3">
+                <a:extLst>
+                  <a:ext uri="{FF2B5EF4-FFF2-40B4-BE49-F238E27FC236}">
+                    <a16:creationId xmlns:a16="http://schemas.microsoft.com/office/drawing/2014/main" id="{C9986F89-CC74-CB81-3BB3-ECFE2A6C5273}"/>
+                  </a:ext>
+                </a:extLst>
+              </p:cNvPr>
+              <p:cNvPicPr/>
+              <p:nvPr/>
+            </p:nvPicPr>
+            <p:blipFill>
+              <a:blip r:embed="rId4"/>
+              <a:stretch>
+                <a:fillRect/>
+              </a:stretch>
+            </p:blipFill>
+            <p:spPr>
+              <a:xfrm>
+                <a:off x="205458" y="535736"/>
+                <a:ext cx="563400" cy="754200"/>
+              </a:xfrm>
+              <a:prstGeom prst="rect">
+                <a:avLst/>
+              </a:prstGeom>
+            </p:spPr>
+          </p:pic>
+        </mc:Fallback>
+      </mc:AlternateContent>
+      <p:sp>
+        <p:nvSpPr>
+          <p:cNvPr id="5" name="TextBox 4">
+            <a:extLst>
+              <a:ext uri="{FF2B5EF4-FFF2-40B4-BE49-F238E27FC236}">
+                <a16:creationId xmlns:a16="http://schemas.microsoft.com/office/drawing/2014/main" id="{BF7E9175-AFFF-175C-DD22-3F98804BCE6B}"/>
+              </a:ext>
+            </a:extLst>
+          </p:cNvPr>
+          <p:cNvSpPr txBox="1"/>
+          <p:nvPr/>
+        </p:nvSpPr>
+        <p:spPr>
+          <a:xfrm>
+            <a:off x="3884104" y="699044"/>
+            <a:ext cx="2902590" cy="369332"/>
+          </a:xfrm>
+          <a:prstGeom prst="rect">
+            <a:avLst/>
+          </a:prstGeom>
+          <a:noFill/>
+        </p:spPr>
+        <p:txBody>
+          <a:bodyPr wrap="square" rtlCol="0">
+            <a:spAutoFit/>
+          </a:bodyPr>
+          <a:lstStyle/>
+          <a:p>
+            <a:r>
+              <a:rPr lang="uk-UA" dirty="0"/>
+              <a:t>Завершуємо створення</a:t>
+            </a:r>
+          </a:p>
+        </p:txBody>
+      </p:sp>
+      <p:pic>
+        <p:nvPicPr>
+          <p:cNvPr id="7" name="Рисунок 6">
+            <a:extLst>
+              <a:ext uri="{FF2B5EF4-FFF2-40B4-BE49-F238E27FC236}">
+                <a16:creationId xmlns:a16="http://schemas.microsoft.com/office/drawing/2014/main" id="{41652B54-9EEE-F5A1-4222-B87257A1254C}"/>
+              </a:ext>
+            </a:extLst>
+          </p:cNvPr>
+          <p:cNvPicPr>
+            <a:picLocks noChangeAspect="1"/>
+          </p:cNvPicPr>
+          <p:nvPr/>
+        </p:nvPicPr>
+        <p:blipFill>
+          <a:blip r:embed="rId5"/>
+          <a:stretch>
+            <a:fillRect/>
+          </a:stretch>
+        </p:blipFill>
+        <p:spPr>
+          <a:xfrm>
+            <a:off x="772185" y="1809595"/>
+            <a:ext cx="8550381" cy="1158340"/>
+          </a:xfrm>
+          <a:prstGeom prst="rect">
+            <a:avLst/>
+          </a:prstGeom>
+        </p:spPr>
+      </p:pic>
+      <p:cxnSp>
+        <p:nvCxnSpPr>
+          <p:cNvPr id="11" name="Пряма зі стрілкою 10">
+            <a:extLst>
+              <a:ext uri="{FF2B5EF4-FFF2-40B4-BE49-F238E27FC236}">
+                <a16:creationId xmlns:a16="http://schemas.microsoft.com/office/drawing/2014/main" id="{AEEED4AB-07BD-2C6F-E699-AEF7F4734FC5}"/>
+              </a:ext>
+            </a:extLst>
+          </p:cNvPr>
+          <p:cNvCxnSpPr/>
+          <p:nvPr/>
+        </p:nvCxnSpPr>
+        <p:spPr>
+          <a:xfrm flipH="1">
+            <a:off x="8531604" y="1226936"/>
+            <a:ext cx="604007" cy="1205871"/>
+          </a:xfrm>
+          <a:prstGeom prst="straightConnector1">
+            <a:avLst/>
+          </a:prstGeom>
+          <a:ln>
+            <a:tailEnd type="triangle"/>
+          </a:ln>
+        </p:spPr>
+        <p:style>
+          <a:lnRef idx="1">
+            <a:schemeClr val="accent1"/>
+          </a:lnRef>
+          <a:fillRef idx="0">
+            <a:schemeClr val="accent1"/>
+          </a:fillRef>
+          <a:effectRef idx="0">
+            <a:schemeClr val="accent1"/>
+          </a:effectRef>
+          <a:fontRef idx="minor">
+            <a:schemeClr val="tx1"/>
+          </a:fontRef>
+        </p:style>
+      </p:cxnSp>
+      <p:sp>
+        <p:nvSpPr>
+          <p:cNvPr id="12" name="TextBox 11">
+            <a:extLst>
+              <a:ext uri="{FF2B5EF4-FFF2-40B4-BE49-F238E27FC236}">
+                <a16:creationId xmlns:a16="http://schemas.microsoft.com/office/drawing/2014/main" id="{087E175B-57D3-91B2-0AFF-254AD2F4AFBF}"/>
+              </a:ext>
+            </a:extLst>
+          </p:cNvPr>
+          <p:cNvSpPr txBox="1"/>
+          <p:nvPr/>
+        </p:nvSpPr>
+        <p:spPr>
+          <a:xfrm>
+            <a:off x="8934274" y="494950"/>
+            <a:ext cx="2989267" cy="646331"/>
+          </a:xfrm>
+          <a:prstGeom prst="rect">
+            <a:avLst/>
+          </a:prstGeom>
+          <a:noFill/>
+        </p:spPr>
+        <p:txBody>
+          <a:bodyPr wrap="square" rtlCol="0">
+            <a:spAutoFit/>
+          </a:bodyPr>
+          <a:lstStyle/>
+          <a:p>
+            <a:r>
+              <a:rPr lang="uk-UA" dirty="0"/>
+              <a:t>Заходимо в налаштування репозиторію</a:t>
+            </a:r>
+          </a:p>
+        </p:txBody>
+      </p:sp>
+      <p:pic>
+        <p:nvPicPr>
+          <p:cNvPr id="14" name="Рисунок 13">
+            <a:extLst>
+              <a:ext uri="{FF2B5EF4-FFF2-40B4-BE49-F238E27FC236}">
+                <a16:creationId xmlns:a16="http://schemas.microsoft.com/office/drawing/2014/main" id="{6BD7E2C6-04A8-AA6B-E05A-D4422D38CF85}"/>
+              </a:ext>
+            </a:extLst>
+          </p:cNvPr>
+          <p:cNvPicPr>
+            <a:picLocks noChangeAspect="1"/>
+          </p:cNvPicPr>
+          <p:nvPr/>
+        </p:nvPicPr>
+        <p:blipFill>
+          <a:blip r:embed="rId6"/>
+          <a:stretch>
+            <a:fillRect/>
+          </a:stretch>
+        </p:blipFill>
+        <p:spPr>
+          <a:xfrm>
+            <a:off x="855758" y="3024890"/>
+            <a:ext cx="1766218" cy="3670699"/>
+          </a:xfrm>
+          <a:prstGeom prst="rect">
+            <a:avLst/>
+          </a:prstGeom>
+        </p:spPr>
+      </p:pic>
+      <p:cxnSp>
+        <p:nvCxnSpPr>
+          <p:cNvPr id="16" name="Пряма зі стрілкою 15">
+            <a:extLst>
+              <a:ext uri="{FF2B5EF4-FFF2-40B4-BE49-F238E27FC236}">
+                <a16:creationId xmlns:a16="http://schemas.microsoft.com/office/drawing/2014/main" id="{FADADF50-EE6D-44CE-22F6-EB090F2E9C4A}"/>
+              </a:ext>
+            </a:extLst>
+          </p:cNvPr>
+          <p:cNvCxnSpPr/>
+          <p:nvPr/>
+        </p:nvCxnSpPr>
+        <p:spPr>
+          <a:xfrm flipH="1">
+            <a:off x="2206305" y="3296873"/>
+            <a:ext cx="1300293" cy="335188"/>
+          </a:xfrm>
+          <a:prstGeom prst="straightConnector1">
+            <a:avLst/>
+          </a:prstGeom>
+          <a:ln>
+            <a:tailEnd type="triangle"/>
+          </a:ln>
+        </p:spPr>
+        <p:style>
+          <a:lnRef idx="1">
+            <a:schemeClr val="accent1"/>
+          </a:lnRef>
+          <a:fillRef idx="0">
+            <a:schemeClr val="accent1"/>
+          </a:fillRef>
+          <a:effectRef idx="0">
+            <a:schemeClr val="accent1"/>
+          </a:effectRef>
+          <a:fontRef idx="minor">
+            <a:schemeClr val="tx1"/>
+          </a:fontRef>
+        </p:style>
+      </p:cxnSp>
+      <p:pic>
+        <p:nvPicPr>
+          <p:cNvPr id="18" name="Рисунок 17">
+            <a:extLst>
+              <a:ext uri="{FF2B5EF4-FFF2-40B4-BE49-F238E27FC236}">
+                <a16:creationId xmlns:a16="http://schemas.microsoft.com/office/drawing/2014/main" id="{3428DFDC-1D8E-D8BB-F5B7-FFB61DAA802B}"/>
+              </a:ext>
+            </a:extLst>
+          </p:cNvPr>
+          <p:cNvPicPr>
+            <a:picLocks noChangeAspect="1"/>
+          </p:cNvPicPr>
+          <p:nvPr/>
+        </p:nvPicPr>
+        <p:blipFill>
+          <a:blip r:embed="rId7"/>
+          <a:stretch>
+            <a:fillRect/>
+          </a:stretch>
+        </p:blipFill>
+        <p:spPr>
+          <a:xfrm>
+            <a:off x="2631095" y="3632061"/>
+            <a:ext cx="6054309" cy="2083866"/>
+          </a:xfrm>
+          <a:prstGeom prst="rect">
+            <a:avLst/>
+          </a:prstGeom>
+        </p:spPr>
+      </p:pic>
+      <p:cxnSp>
+        <p:nvCxnSpPr>
+          <p:cNvPr id="20" name="Пряма зі стрілкою 19">
+            <a:extLst>
+              <a:ext uri="{FF2B5EF4-FFF2-40B4-BE49-F238E27FC236}">
+                <a16:creationId xmlns:a16="http://schemas.microsoft.com/office/drawing/2014/main" id="{FF1C04B4-88AF-AEC5-26B0-2566B808AAD8}"/>
+              </a:ext>
+            </a:extLst>
+          </p:cNvPr>
+          <p:cNvCxnSpPr/>
+          <p:nvPr/>
+        </p:nvCxnSpPr>
+        <p:spPr>
+          <a:xfrm>
+            <a:off x="7390701" y="3429000"/>
+            <a:ext cx="796954" cy="1906398"/>
+          </a:xfrm>
+          <a:prstGeom prst="straightConnector1">
+            <a:avLst/>
+          </a:prstGeom>
+          <a:ln>
+            <a:tailEnd type="triangle"/>
+          </a:ln>
+        </p:spPr>
+        <p:style>
+          <a:lnRef idx="1">
+            <a:schemeClr val="accent1"/>
+          </a:lnRef>
+          <a:fillRef idx="0">
+            <a:schemeClr val="accent1"/>
+          </a:fillRef>
+          <a:effectRef idx="0">
+            <a:schemeClr val="accent1"/>
+          </a:effectRef>
+          <a:fontRef idx="minor">
+            <a:schemeClr val="tx1"/>
+          </a:fontRef>
+        </p:style>
+      </p:cxnSp>
+      <p:sp>
+        <p:nvSpPr>
+          <p:cNvPr id="21" name="TextBox 20">
+            <a:extLst>
+              <a:ext uri="{FF2B5EF4-FFF2-40B4-BE49-F238E27FC236}">
+                <a16:creationId xmlns:a16="http://schemas.microsoft.com/office/drawing/2014/main" id="{2F976CE6-36C6-315C-8D09-A5CE2D498AE9}"/>
+              </a:ext>
+            </a:extLst>
+          </p:cNvPr>
+          <p:cNvSpPr txBox="1"/>
+          <p:nvPr/>
+        </p:nvSpPr>
+        <p:spPr>
+          <a:xfrm>
+            <a:off x="3554135" y="3059668"/>
+            <a:ext cx="134225" cy="369332"/>
+          </a:xfrm>
+          <a:prstGeom prst="rect">
+            <a:avLst/>
+          </a:prstGeom>
+          <a:noFill/>
+        </p:spPr>
+        <p:txBody>
+          <a:bodyPr wrap="square" rtlCol="0">
+            <a:spAutoFit/>
+          </a:bodyPr>
+          <a:lstStyle/>
+          <a:p>
+            <a:r>
+              <a:rPr lang="en-US" dirty="0"/>
+              <a:t>1</a:t>
+            </a:r>
+            <a:endParaRPr lang="uk-UA" dirty="0"/>
+          </a:p>
+        </p:txBody>
+      </p:sp>
+      <p:sp>
+        <p:nvSpPr>
+          <p:cNvPr id="22" name="TextBox 21">
+            <a:extLst>
+              <a:ext uri="{FF2B5EF4-FFF2-40B4-BE49-F238E27FC236}">
+                <a16:creationId xmlns:a16="http://schemas.microsoft.com/office/drawing/2014/main" id="{74CE80B1-4AC0-AF08-B7B8-FD7DB529FEED}"/>
+              </a:ext>
+            </a:extLst>
+          </p:cNvPr>
+          <p:cNvSpPr txBox="1"/>
+          <p:nvPr/>
+        </p:nvSpPr>
+        <p:spPr>
+          <a:xfrm>
+            <a:off x="7126447" y="3154175"/>
+            <a:ext cx="176169" cy="369332"/>
+          </a:xfrm>
+          <a:prstGeom prst="rect">
+            <a:avLst/>
+          </a:prstGeom>
+          <a:noFill/>
+        </p:spPr>
+        <p:txBody>
+          <a:bodyPr wrap="square" rtlCol="0">
+            <a:spAutoFit/>
+          </a:bodyPr>
+          <a:lstStyle/>
+          <a:p>
+            <a:r>
+              <a:rPr lang="en-US" dirty="0"/>
+              <a:t>2</a:t>
+            </a:r>
+            <a:endParaRPr lang="uk-UA" dirty="0"/>
+          </a:p>
+        </p:txBody>
+      </p:sp>
+    </p:spTree>
+    <p:extLst>
+      <p:ext uri="{BB962C8B-B14F-4D97-AF65-F5344CB8AC3E}">
+        <p14:creationId xmlns:p14="http://schemas.microsoft.com/office/powerpoint/2010/main" val="1616518390"/>
+      </p:ext>
+    </p:extLst>
+  </p:cSld>
+  <p:clrMapOvr>
+    <a:masterClrMapping/>
+  </p:clrMapOvr>
+</p:sld>
+</file>
+
+<file path=ppt/slides/slide8.xml><?xml version="1.0" encoding="utf-8"?>
+<p:sld xmlns:a="http://schemas.openxmlformats.org/drawingml/2006/main" xmlns:r="http://schemas.openxmlformats.org/officeDocument/2006/relationships" xmlns:p="http://schemas.openxmlformats.org/presentationml/2006/main">
+  <p:cSld>
+    <p:spTree>
+      <p:nvGrpSpPr>
+        <p:cNvPr id="1" name=""/>
+        <p:cNvGrpSpPr/>
+        <p:nvPr/>
+      </p:nvGrpSpPr>
+      <p:grpSpPr>
+        <a:xfrm>
+          <a:off x="0" y="0"/>
+          <a:ext cx="0" cy="0"/>
+          <a:chOff x="0" y="0"/>
+          <a:chExt cx="0" cy="0"/>
+        </a:xfrm>
+      </p:grpSpPr>
+      <p:pic>
+        <p:nvPicPr>
+          <p:cNvPr id="3" name="Рисунок 2">
+            <a:extLst>
+              <a:ext uri="{FF2B5EF4-FFF2-40B4-BE49-F238E27FC236}">
+                <a16:creationId xmlns:a16="http://schemas.microsoft.com/office/drawing/2014/main" id="{31483D04-4A5F-E870-33EF-C8D9BDC8BABE}"/>
+              </a:ext>
+            </a:extLst>
+          </p:cNvPr>
+          <p:cNvPicPr>
+            <a:picLocks noChangeAspect="1"/>
+          </p:cNvPicPr>
+          <p:nvPr/>
+        </p:nvPicPr>
+        <p:blipFill>
+          <a:blip r:embed="rId2"/>
+          <a:stretch>
+            <a:fillRect/>
+          </a:stretch>
+        </p:blipFill>
+        <p:spPr>
+          <a:xfrm>
+            <a:off x="355607" y="1626212"/>
+            <a:ext cx="6027942" cy="2263336"/>
+          </a:xfrm>
+          <a:prstGeom prst="rect">
+            <a:avLst/>
+          </a:prstGeom>
+        </p:spPr>
+      </p:pic>
+      <p:sp>
+        <p:nvSpPr>
+          <p:cNvPr id="4" name="TextBox 3">
+            <a:extLst>
+              <a:ext uri="{FF2B5EF4-FFF2-40B4-BE49-F238E27FC236}">
+                <a16:creationId xmlns:a16="http://schemas.microsoft.com/office/drawing/2014/main" id="{126E294A-3DBF-E47E-3A28-C42C149D4F6B}"/>
+              </a:ext>
+            </a:extLst>
+          </p:cNvPr>
+          <p:cNvSpPr txBox="1"/>
+          <p:nvPr/>
+        </p:nvSpPr>
+        <p:spPr>
+          <a:xfrm>
+            <a:off x="1303562" y="553673"/>
+            <a:ext cx="2910980" cy="646331"/>
+          </a:xfrm>
+          <a:prstGeom prst="rect">
+            <a:avLst/>
+          </a:prstGeom>
+          <a:noFill/>
+        </p:spPr>
+        <p:txBody>
+          <a:bodyPr wrap="square" rtlCol="0">
+            <a:spAutoFit/>
+          </a:bodyPr>
+          <a:lstStyle/>
+          <a:p>
+            <a:r>
+              <a:rPr lang="uk-UA" dirty="0"/>
+              <a:t>Знаходимо товаришів за їхнім </a:t>
+            </a:r>
+            <a:r>
+              <a:rPr lang="en-US" dirty="0"/>
+              <a:t>username</a:t>
+            </a:r>
+            <a:endParaRPr lang="uk-UA" dirty="0"/>
+          </a:p>
+        </p:txBody>
+      </p:sp>
+      <p:pic>
+        <p:nvPicPr>
+          <p:cNvPr id="6" name="Рисунок 5">
+            <a:extLst>
+              <a:ext uri="{FF2B5EF4-FFF2-40B4-BE49-F238E27FC236}">
+                <a16:creationId xmlns:a16="http://schemas.microsoft.com/office/drawing/2014/main" id="{2851896E-AFDE-2DC8-81ED-BFF5A90A92C1}"/>
+              </a:ext>
+            </a:extLst>
+          </p:cNvPr>
+          <p:cNvPicPr>
+            <a:picLocks noChangeAspect="1"/>
+          </p:cNvPicPr>
+          <p:nvPr/>
+        </p:nvPicPr>
+        <p:blipFill>
+          <a:blip r:embed="rId3"/>
+          <a:stretch>
+            <a:fillRect/>
+          </a:stretch>
+        </p:blipFill>
+        <p:spPr>
+          <a:xfrm>
+            <a:off x="5565045" y="257600"/>
+            <a:ext cx="5692633" cy="1074513"/>
+          </a:xfrm>
+          <a:prstGeom prst="rect">
+            <a:avLst/>
+          </a:prstGeom>
+        </p:spPr>
+      </p:pic>
+      <p:sp>
+        <p:nvSpPr>
+          <p:cNvPr id="7" name="TextBox 6">
+            <a:extLst>
+              <a:ext uri="{FF2B5EF4-FFF2-40B4-BE49-F238E27FC236}">
+                <a16:creationId xmlns:a16="http://schemas.microsoft.com/office/drawing/2014/main" id="{DCCC825F-3E73-7D36-DF08-8A5F84279D47}"/>
+              </a:ext>
+            </a:extLst>
+          </p:cNvPr>
+          <p:cNvSpPr txBox="1"/>
+          <p:nvPr/>
+        </p:nvSpPr>
+        <p:spPr>
+          <a:xfrm>
+            <a:off x="7273255" y="2055303"/>
+            <a:ext cx="2348917" cy="1200329"/>
+          </a:xfrm>
+          <a:prstGeom prst="rect">
+            <a:avLst/>
+          </a:prstGeom>
+          <a:noFill/>
+        </p:spPr>
+        <p:txBody>
+          <a:bodyPr wrap="square" rtlCol="0">
+            <a:spAutoFit/>
+          </a:bodyPr>
+          <a:lstStyle/>
+          <a:p>
+            <a:r>
+              <a:rPr lang="uk-UA" dirty="0"/>
+              <a:t>Обираємо та </a:t>
+            </a:r>
+            <a:r>
+              <a:rPr lang="uk-UA" dirty="0" err="1"/>
+              <a:t>доєднуємо</a:t>
+            </a:r>
+            <a:r>
+              <a:rPr lang="uk-UA" dirty="0"/>
+              <a:t> акаунт до колег-редакторів-</a:t>
+            </a:r>
+            <a:r>
+              <a:rPr lang="uk-UA" dirty="0" err="1"/>
+              <a:t>колабораторів</a:t>
+            </a:r>
+            <a:endParaRPr lang="uk-UA" dirty="0"/>
+          </a:p>
+        </p:txBody>
+      </p:sp>
+      <p:cxnSp>
+        <p:nvCxnSpPr>
+          <p:cNvPr id="9" name="Пряма зі стрілкою 8">
+            <a:extLst>
+              <a:ext uri="{FF2B5EF4-FFF2-40B4-BE49-F238E27FC236}">
+                <a16:creationId xmlns:a16="http://schemas.microsoft.com/office/drawing/2014/main" id="{1BA8F17D-0697-A27F-F88E-E81DD54A78EF}"/>
+              </a:ext>
+            </a:extLst>
+          </p:cNvPr>
+          <p:cNvCxnSpPr/>
+          <p:nvPr/>
+        </p:nvCxnSpPr>
+        <p:spPr>
+          <a:xfrm flipH="1" flipV="1">
+            <a:off x="8791662" y="1392572"/>
+            <a:ext cx="201336" cy="780177"/>
+          </a:xfrm>
+          <a:prstGeom prst="straightConnector1">
+            <a:avLst/>
+          </a:prstGeom>
+          <a:ln>
+            <a:tailEnd type="triangle"/>
+          </a:ln>
+        </p:spPr>
+        <p:style>
+          <a:lnRef idx="1">
+            <a:schemeClr val="accent1"/>
+          </a:lnRef>
+          <a:fillRef idx="0">
+            <a:schemeClr val="accent1"/>
+          </a:fillRef>
+          <a:effectRef idx="0">
+            <a:schemeClr val="accent1"/>
+          </a:effectRef>
+          <a:fontRef idx="minor">
+            <a:schemeClr val="tx1"/>
+          </a:fontRef>
+        </p:style>
+      </p:cxnSp>
+    </p:spTree>
+    <p:extLst>
+      <p:ext uri="{BB962C8B-B14F-4D97-AF65-F5344CB8AC3E}">
+        <p14:creationId xmlns:p14="http://schemas.microsoft.com/office/powerpoint/2010/main" val="3039465179"/>
+      </p:ext>
+    </p:extLst>
+  </p:cSld>
+  <p:clrMapOvr>
+    <a:masterClrMapping/>
+  </p:clrMapOvr>
+</p:sld>
+</file>
+
+<file path=ppt/slides/slide9.xml><?xml version="1.0" encoding="utf-8"?>
+<p:sld xmlns:a="http://schemas.openxmlformats.org/drawingml/2006/main" xmlns:r="http://schemas.openxmlformats.org/officeDocument/2006/relationships" xmlns:p="http://schemas.openxmlformats.org/presentationml/2006/main">
+  <p:cSld>
+    <p:spTree>
+      <p:nvGrpSpPr>
+        <p:cNvPr id="1" name=""/>
+        <p:cNvGrpSpPr/>
+        <p:nvPr/>
+      </p:nvGrpSpPr>
+      <p:grpSpPr>
+        <a:xfrm>
+          <a:off x="0" y="0"/>
+          <a:ext cx="0" cy="0"/>
+          <a:chOff x="0" y="0"/>
+          <a:chExt cx="0" cy="0"/>
+        </a:xfrm>
+      </p:grpSpPr>
+      <p:sp>
+        <p:nvSpPr>
+          <p:cNvPr id="2" name="TextBox 1">
+            <a:extLst>
+              <a:ext uri="{FF2B5EF4-FFF2-40B4-BE49-F238E27FC236}">
+                <a16:creationId xmlns:a16="http://schemas.microsoft.com/office/drawing/2014/main" id="{E570AAF8-38BF-3012-4E33-611AF8B0CBF1}"/>
+              </a:ext>
+            </a:extLst>
+          </p:cNvPr>
+          <p:cNvSpPr txBox="1"/>
+          <p:nvPr/>
+        </p:nvSpPr>
+        <p:spPr>
+          <a:xfrm>
+            <a:off x="2273417" y="645952"/>
+            <a:ext cx="6862194" cy="377505"/>
+          </a:xfrm>
+          <a:prstGeom prst="rect">
+            <a:avLst/>
+          </a:prstGeom>
+          <a:noFill/>
+        </p:spPr>
+        <p:txBody>
+          <a:bodyPr wrap="square" rtlCol="0">
+            <a:spAutoFit/>
+          </a:bodyPr>
+          <a:lstStyle/>
+          <a:p>
+            <a:r>
+              <a:rPr lang="uk-UA" dirty="0">
+                <a:solidFill>
+                  <a:schemeClr val="accent3">
+                    <a:lumMod val="60000"/>
+                    <a:lumOff val="40000"/>
+                  </a:schemeClr>
+                </a:solidFill>
+              </a:rPr>
+              <a:t>Вітаю!!! Ви можете насолоджуватись спільними роботами</a:t>
+            </a:r>
+          </a:p>
+        </p:txBody>
+      </p:sp>
+      <p:sp>
+        <p:nvSpPr>
+          <p:cNvPr id="3" name="TextBox 2">
+            <a:extLst>
+              <a:ext uri="{FF2B5EF4-FFF2-40B4-BE49-F238E27FC236}">
+                <a16:creationId xmlns:a16="http://schemas.microsoft.com/office/drawing/2014/main" id="{E85FE0F3-C69F-CBBB-E983-EA8B00FC8E5E}"/>
+              </a:ext>
+            </a:extLst>
+          </p:cNvPr>
+          <p:cNvSpPr txBox="1"/>
+          <p:nvPr/>
+        </p:nvSpPr>
+        <p:spPr>
+          <a:xfrm>
+            <a:off x="427839" y="1484851"/>
+            <a:ext cx="2617365" cy="2031325"/>
+          </a:xfrm>
+          <a:prstGeom prst="rect">
+            <a:avLst/>
+          </a:prstGeom>
+          <a:noFill/>
+        </p:spPr>
+        <p:txBody>
+          <a:bodyPr wrap="square" rtlCol="0">
+            <a:spAutoFit/>
+          </a:bodyPr>
+          <a:lstStyle/>
+          <a:p>
+            <a:r>
+              <a:rPr lang="uk-UA" dirty="0">
+                <a:solidFill>
+                  <a:schemeClr val="accent1"/>
+                </a:solidFill>
+              </a:rPr>
+              <a:t>Щоб добавити роботу потрібно зайти в головну </a:t>
+            </a:r>
+            <a:r>
+              <a:rPr lang="uk-UA" dirty="0" err="1">
+                <a:solidFill>
+                  <a:schemeClr val="accent1"/>
+                </a:solidFill>
+              </a:rPr>
+              <a:t>строрінку</a:t>
+            </a:r>
+            <a:r>
+              <a:rPr lang="uk-UA" dirty="0">
+                <a:solidFill>
+                  <a:schemeClr val="accent1"/>
+                </a:solidFill>
+              </a:rPr>
+              <a:t> репозиторію та загрузити файл для подальшої роботи з ним</a:t>
+            </a:r>
+          </a:p>
+        </p:txBody>
+      </p:sp>
+      <p:pic>
+        <p:nvPicPr>
+          <p:cNvPr id="5" name="Рисунок 4">
+            <a:extLst>
+              <a:ext uri="{FF2B5EF4-FFF2-40B4-BE49-F238E27FC236}">
+                <a16:creationId xmlns:a16="http://schemas.microsoft.com/office/drawing/2014/main" id="{E94A0DB6-14AA-153B-47FB-6B32CAD50EB1}"/>
+              </a:ext>
+            </a:extLst>
+          </p:cNvPr>
+          <p:cNvPicPr>
+            <a:picLocks noChangeAspect="1"/>
+          </p:cNvPicPr>
+          <p:nvPr/>
+        </p:nvPicPr>
+        <p:blipFill>
+          <a:blip r:embed="rId2"/>
+          <a:stretch>
+            <a:fillRect/>
+          </a:stretch>
+        </p:blipFill>
+        <p:spPr>
+          <a:xfrm>
+            <a:off x="427839" y="3874337"/>
+            <a:ext cx="8870449" cy="1928027"/>
+          </a:xfrm>
+          <a:prstGeom prst="rect">
+            <a:avLst/>
+          </a:prstGeom>
+        </p:spPr>
+      </p:pic>
+      <p:cxnSp>
+        <p:nvCxnSpPr>
+          <p:cNvPr id="7" name="Пряма зі стрілкою 6">
+            <a:extLst>
+              <a:ext uri="{FF2B5EF4-FFF2-40B4-BE49-F238E27FC236}">
+                <a16:creationId xmlns:a16="http://schemas.microsoft.com/office/drawing/2014/main" id="{18B31F06-263A-B092-4A1C-0B455872014F}"/>
+              </a:ext>
+            </a:extLst>
+          </p:cNvPr>
+          <p:cNvCxnSpPr/>
+          <p:nvPr/>
+        </p:nvCxnSpPr>
+        <p:spPr>
+          <a:xfrm>
+            <a:off x="3179428" y="2827090"/>
+            <a:ext cx="4303552" cy="1451295"/>
+          </a:xfrm>
+          <a:prstGeom prst="straightConnector1">
+            <a:avLst/>
+          </a:prstGeom>
+          <a:ln>
+            <a:tailEnd type="triangle"/>
+          </a:ln>
+        </p:spPr>
+        <p:style>
+          <a:lnRef idx="1">
+            <a:schemeClr val="accent1"/>
+          </a:lnRef>
+          <a:fillRef idx="0">
+            <a:schemeClr val="accent1"/>
+          </a:fillRef>
+          <a:effectRef idx="0">
+            <a:schemeClr val="accent1"/>
+          </a:effectRef>
+          <a:fontRef idx="minor">
+            <a:schemeClr val="tx1"/>
+          </a:fontRef>
+        </p:style>
+      </p:cxnSp>
+    </p:spTree>
+    <p:extLst>
+      <p:ext uri="{BB962C8B-B14F-4D97-AF65-F5344CB8AC3E}">
+        <p14:creationId xmlns:p14="http://schemas.microsoft.com/office/powerpoint/2010/main" val="8607677"/>
       </p:ext>
     </p:extLst>
   </p:cSld>

--- a/Work-case№1.pptx
+++ b/Work-case№1.pptx
@@ -15,6 +15,7 @@
     <p:sldId id="264" r:id="rId9"/>
     <p:sldId id="265" r:id="rId10"/>
     <p:sldId id="266" r:id="rId11"/>
+    <p:sldId id="268" r:id="rId12"/>
   </p:sldIdLst>
   <p:sldSz cx="12192000" cy="6858000"/>
   <p:notesSz cx="6858000" cy="9144000"/>
@@ -823,7 +824,7 @@
           <a:p>
             <a:fld id="{D6D0F569-AC90-44EB-9EF4-4E5C2F5D823C}" type="datetime1">
               <a:rPr lang="en-US" smtClean="0"/>
-              <a:t>2/2/2024</a:t>
+              <a:t>2/3/2024</a:t>
             </a:fld>
             <a:endParaRPr lang="en-US" dirty="0"/>
           </a:p>
@@ -1502,7 +1503,7 @@
           <a:p>
             <a:fld id="{46BA7D41-E8B7-4A0B-B861-3EC4AE88917D}" type="datetime1">
               <a:rPr lang="en-US" smtClean="0"/>
-              <a:t>2/2/2024</a:t>
+              <a:t>2/3/2024</a:t>
             </a:fld>
             <a:endParaRPr lang="en-US" dirty="0"/>
           </a:p>
@@ -2191,7 +2192,7 @@
           <a:p>
             <a:fld id="{A7C34823-0B19-4B4E-A643-7A3B0A3D24D6}" type="datetime1">
               <a:rPr lang="en-US" smtClean="0"/>
-              <a:t>2/2/2024</a:t>
+              <a:t>2/3/2024</a:t>
             </a:fld>
             <a:endParaRPr lang="en-US" dirty="0"/>
           </a:p>
@@ -2873,7 +2874,7 @@
           <a:p>
             <a:fld id="{8C2D79EF-17C8-45D8-9866-DAF5723FC604}" type="datetime1">
               <a:rPr lang="en-US" smtClean="0"/>
-              <a:t>2/2/2024</a:t>
+              <a:t>2/3/2024</a:t>
             </a:fld>
             <a:endParaRPr lang="en-US" dirty="0"/>
           </a:p>
@@ -3628,7 +3629,7 @@
           <a:p>
             <a:fld id="{DFFC2ADC-3680-4013-A757-E4663495DB98}" type="datetime1">
               <a:rPr lang="en-US" smtClean="0"/>
-              <a:t>2/2/2024</a:t>
+              <a:t>2/3/2024</a:t>
             </a:fld>
             <a:endParaRPr lang="en-US" dirty="0"/>
           </a:p>
@@ -4375,7 +4376,7 @@
           <a:p>
             <a:fld id="{4751BA94-5DCA-4F19-960F-0FB2BD5EE85A}" type="datetime1">
               <a:rPr lang="en-US" smtClean="0"/>
-              <a:t>2/2/2024</a:t>
+              <a:t>2/3/2024</a:t>
             </a:fld>
             <a:endParaRPr lang="en-US" dirty="0"/>
           </a:p>
@@ -5269,7 +5270,7 @@
           <a:p>
             <a:fld id="{01BED947-38D9-44AC-8B89-E79758333B77}" type="datetime1">
               <a:rPr lang="en-US" smtClean="0"/>
-              <a:t>2/2/2024</a:t>
+              <a:t>2/3/2024</a:t>
             </a:fld>
             <a:endParaRPr lang="en-US" dirty="0"/>
           </a:p>
@@ -5890,7 +5891,7 @@
           <a:p>
             <a:fld id="{3781E23F-BD3C-4F23-B116-2B758120C8AC}" type="datetime1">
               <a:rPr lang="en-US" smtClean="0"/>
-              <a:t>2/2/2024</a:t>
+              <a:t>2/3/2024</a:t>
             </a:fld>
             <a:endParaRPr lang="en-US" dirty="0"/>
           </a:p>
@@ -6482,7 +6483,7 @@
           <a:p>
             <a:fld id="{473CFAA9-6D59-4D98-869E-ACBDB83B2CA4}" type="datetime1">
               <a:rPr lang="en-US" smtClean="0"/>
-              <a:t>2/2/2024</a:t>
+              <a:t>2/3/2024</a:t>
             </a:fld>
             <a:endParaRPr lang="en-US"/>
           </a:p>
@@ -7274,7 +7275,7 @@
           <a:p>
             <a:fld id="{DC410804-27E3-430A-BB42-B831260DE39A}" type="datetime1">
               <a:rPr lang="en-US" smtClean="0"/>
-              <a:t>2/2/2024</a:t>
+              <a:t>2/3/2024</a:t>
             </a:fld>
             <a:endParaRPr lang="en-US" dirty="0"/>
           </a:p>
@@ -8046,7 +8047,7 @@
           <a:p>
             <a:fld id="{60E22DE3-3D1A-4D53-B9A6-6C7463B8C992}" type="datetime1">
               <a:rPr lang="en-US" smtClean="0"/>
-              <a:t>2/2/2024</a:t>
+              <a:t>2/3/2024</a:t>
             </a:fld>
             <a:endParaRPr lang="en-US" dirty="0"/>
           </a:p>
@@ -8357,7 +8358,7 @@
             <a:fld id="{5ECD8B30-1B71-45A1-8314-D59C86F581E1}" type="datetime1">
               <a:rPr lang="en-US" smtClean="0"/>
               <a:pPr/>
-              <a:t>2/2/2024</a:t>
+              <a:t>2/3/2024</a:t>
             </a:fld>
             <a:endParaRPr lang="en-US" b="1" dirty="0"/>
           </a:p>
@@ -9101,6 +9102,94 @@
     <p:extLst>
       <p:ext uri="{BB962C8B-B14F-4D97-AF65-F5344CB8AC3E}">
         <p14:creationId xmlns:p14="http://schemas.microsoft.com/office/powerpoint/2010/main" val="3199937854"/>
+      </p:ext>
+    </p:extLst>
+  </p:cSld>
+  <p:clrMapOvr>
+    <a:masterClrMapping/>
+  </p:clrMapOvr>
+</p:sld>
+</file>
+
+<file path=ppt/slides/slide11.xml><?xml version="1.0" encoding="utf-8"?>
+<p:sld xmlns:a="http://schemas.openxmlformats.org/drawingml/2006/main" xmlns:r="http://schemas.openxmlformats.org/officeDocument/2006/relationships" xmlns:p="http://schemas.openxmlformats.org/presentationml/2006/main">
+  <p:cSld>
+    <p:spTree>
+      <p:nvGrpSpPr>
+        <p:cNvPr id="1" name=""/>
+        <p:cNvGrpSpPr/>
+        <p:nvPr/>
+      </p:nvGrpSpPr>
+      <p:grpSpPr>
+        <a:xfrm>
+          <a:off x="0" y="0"/>
+          <a:ext cx="0" cy="0"/>
+          <a:chOff x="0" y="0"/>
+          <a:chExt cx="0" cy="0"/>
+        </a:xfrm>
+      </p:grpSpPr>
+      <p:sp>
+        <p:nvSpPr>
+          <p:cNvPr id="2" name="Заголовок 1">
+            <a:extLst>
+              <a:ext uri="{FF2B5EF4-FFF2-40B4-BE49-F238E27FC236}">
+                <a16:creationId xmlns:a16="http://schemas.microsoft.com/office/drawing/2014/main" id="{BA27F133-FF3F-63B7-5842-8F62A626DEA5}"/>
+              </a:ext>
+            </a:extLst>
+          </p:cNvPr>
+          <p:cNvSpPr>
+            <a:spLocks noGrp="1"/>
+          </p:cNvSpPr>
+          <p:nvPr>
+            <p:ph type="title"/>
+          </p:nvPr>
+        </p:nvSpPr>
+        <p:spPr/>
+        <p:txBody>
+          <a:bodyPr/>
+          <a:lstStyle/>
+          <a:p>
+            <a:r>
+              <a:rPr lang="en-US" b="1" dirty="0"/>
+              <a:t>Conclusion</a:t>
+            </a:r>
+            <a:endParaRPr lang="uk-UA" b="1" dirty="0"/>
+          </a:p>
+        </p:txBody>
+      </p:sp>
+      <p:sp>
+        <p:nvSpPr>
+          <p:cNvPr id="3" name="Місце для вмісту 2">
+            <a:extLst>
+              <a:ext uri="{FF2B5EF4-FFF2-40B4-BE49-F238E27FC236}">
+                <a16:creationId xmlns:a16="http://schemas.microsoft.com/office/drawing/2014/main" id="{6F01452A-7B45-F72B-DBC2-C61A75ACA6F2}"/>
+              </a:ext>
+            </a:extLst>
+          </p:cNvPr>
+          <p:cNvSpPr>
+            <a:spLocks noGrp="1"/>
+          </p:cNvSpPr>
+          <p:nvPr>
+            <p:ph idx="1"/>
+          </p:nvPr>
+        </p:nvSpPr>
+        <p:spPr/>
+        <p:txBody>
+          <a:bodyPr/>
+          <a:lstStyle/>
+          <a:p>
+            <a:r>
+              <a:rPr lang="en-US" dirty="0"/>
+              <a:t>GitHub is a web service designed for working not only alone but also in a team. It makes work easier by distributing tasks amongst each other. It helps to develop the skills of being in a well-coordinated team, finding a common language with your colleagues. It also allows you to work online and make adjustments at any time</a:t>
+            </a:r>
+            <a:endParaRPr lang="uk-UA" dirty="0"/>
+          </a:p>
+        </p:txBody>
+      </p:sp>
+    </p:spTree>
+    <p:extLst>
+      <p:ext uri="{BB962C8B-B14F-4D97-AF65-F5344CB8AC3E}">
+        <p14:creationId xmlns:p14="http://schemas.microsoft.com/office/powerpoint/2010/main" val="1528954389"/>
       </p:ext>
     </p:extLst>
   </p:cSld>
@@ -12308,8 +12397,8 @@
           </a:prstGeom>
         </p:spPr>
       </p:pic>
-      <mc:AlternateContent xmlns:mc="http://schemas.openxmlformats.org/markup-compatibility/2006">
-        <mc:Choice xmlns:p14="http://schemas.microsoft.com/office/powerpoint/2010/main" Requires="p14">
+      <mc:AlternateContent xmlns:mc="http://schemas.openxmlformats.org/markup-compatibility/2006" xmlns:p14="http://schemas.microsoft.com/office/powerpoint/2010/main">
+        <mc:Choice Requires="p14">
           <p:contentPart p14:bwMode="auto" r:id="rId3">
             <p14:nvContentPartPr>
               <p14:cNvPr id="4" name="Рукописні дані 3">
@@ -12328,7 +12417,7 @@
             </p14:xfrm>
           </p:contentPart>
         </mc:Choice>
-        <mc:Fallback>
+        <mc:Fallback xmlns="">
           <p:pic>
             <p:nvPicPr>
               <p:cNvPr id="4" name="Рукописні дані 3">
